--- a/Livrables/Documentation/ProjetODE_Livrable_Presentation_Projet.pptx
+++ b/Livrables/Documentation/ProjetODE_Livrable_Presentation_Projet.pptx
@@ -5,23 +5,25 @@
     <p:sldMasterId id="2147483660" r:id="rId1"/>
   </p:sldMasterIdLst>
   <p:notesMasterIdLst>
-    <p:notesMasterId r:id="rId16"/>
+    <p:notesMasterId r:id="rId18"/>
   </p:notesMasterIdLst>
   <p:sldIdLst>
     <p:sldId id="301" r:id="rId2"/>
     <p:sldId id="368" r:id="rId3"/>
-    <p:sldId id="384" r:id="rId4"/>
-    <p:sldId id="383" r:id="rId5"/>
-    <p:sldId id="377" r:id="rId6"/>
-    <p:sldId id="378" r:id="rId7"/>
-    <p:sldId id="379" r:id="rId8"/>
-    <p:sldId id="374" r:id="rId9"/>
-    <p:sldId id="381" r:id="rId10"/>
-    <p:sldId id="385" r:id="rId11"/>
-    <p:sldId id="386" r:id="rId12"/>
-    <p:sldId id="387" r:id="rId13"/>
-    <p:sldId id="375" r:id="rId14"/>
-    <p:sldId id="376" r:id="rId15"/>
+    <p:sldId id="388" r:id="rId4"/>
+    <p:sldId id="384" r:id="rId5"/>
+    <p:sldId id="383" r:id="rId6"/>
+    <p:sldId id="377" r:id="rId7"/>
+    <p:sldId id="378" r:id="rId8"/>
+    <p:sldId id="379" r:id="rId9"/>
+    <p:sldId id="374" r:id="rId10"/>
+    <p:sldId id="381" r:id="rId11"/>
+    <p:sldId id="385" r:id="rId12"/>
+    <p:sldId id="386" r:id="rId13"/>
+    <p:sldId id="387" r:id="rId14"/>
+    <p:sldId id="375" r:id="rId15"/>
+    <p:sldId id="376" r:id="rId16"/>
+    <p:sldId id="389" r:id="rId17"/>
   </p:sldIdLst>
   <p:sldSz cx="9144000" cy="6858000" type="screen4x3"/>
   <p:notesSz cx="6858000" cy="9144000"/>
@@ -139,6 +141,1153 @@
 </p:presentation>
 </file>
 
+<file path=ppt/charts/chart1.xml><?xml version="1.0" encoding="utf-8"?>
+<c:chartSpace xmlns:c="http://schemas.openxmlformats.org/drawingml/2006/chart" xmlns:a="http://schemas.openxmlformats.org/drawingml/2006/main" xmlns:r="http://schemas.openxmlformats.org/officeDocument/2006/relationships">
+  <c:date1904 val="0"/>
+  <c:lang val="fr-FR"/>
+  <c:roundedCorners val="0"/>
+  <mc:AlternateContent xmlns:mc="http://schemas.openxmlformats.org/markup-compatibility/2006">
+    <mc:Choice xmlns:c14="http://schemas.microsoft.com/office/drawing/2007/8/2/chart" Requires="c14">
+      <c14:style val="102"/>
+    </mc:Choice>
+    <mc:Fallback>
+      <c:style val="2"/>
+    </mc:Fallback>
+  </mc:AlternateContent>
+  <c:chart>
+    <c:autoTitleDeleted val="1"/>
+    <c:plotArea>
+      <c:layout/>
+      <c:scatterChart>
+        <c:scatterStyle val="lineMarker"/>
+        <c:varyColors val="0"/>
+        <c:ser>
+          <c:idx val="0"/>
+          <c:order val="0"/>
+          <c:tx>
+            <c:strRef>
+              <c:f>ANALYSE!$B$7</c:f>
+              <c:strCache>
+                <c:ptCount val="1"/>
+                <c:pt idx="0">
+                  <c:v>Sans agrégations</c:v>
+                </c:pt>
+              </c:strCache>
+            </c:strRef>
+          </c:tx>
+          <c:spPr>
+            <a:ln w="22225" cap="rnd">
+              <a:solidFill>
+                <a:schemeClr val="accent1"/>
+              </a:solidFill>
+              <a:round/>
+            </a:ln>
+            <a:effectLst/>
+          </c:spPr>
+          <c:marker>
+            <c:symbol val="none"/>
+          </c:marker>
+          <c:xVal>
+            <c:numRef>
+              <c:f>ANALYSE!$C$6:$F$6</c:f>
+              <c:numCache>
+                <c:formatCode>General</c:formatCode>
+                <c:ptCount val="4"/>
+                <c:pt idx="0">
+                  <c:v>100</c:v>
+                </c:pt>
+                <c:pt idx="1">
+                  <c:v>500</c:v>
+                </c:pt>
+                <c:pt idx="2">
+                  <c:v>1024</c:v>
+                </c:pt>
+                <c:pt idx="3">
+                  <c:v>4096</c:v>
+                </c:pt>
+              </c:numCache>
+            </c:numRef>
+          </c:xVal>
+          <c:yVal>
+            <c:numRef>
+              <c:f>ANALYSE!$C$7:$F$7</c:f>
+              <c:numCache>
+                <c:formatCode>General</c:formatCode>
+                <c:ptCount val="4"/>
+                <c:pt idx="0">
+                  <c:v>2428</c:v>
+                </c:pt>
+                <c:pt idx="1">
+                  <c:v>2428</c:v>
+                </c:pt>
+                <c:pt idx="2">
+                  <c:v>2428</c:v>
+                </c:pt>
+                <c:pt idx="3">
+                  <c:v>2428</c:v>
+                </c:pt>
+              </c:numCache>
+            </c:numRef>
+          </c:yVal>
+          <c:smooth val="0"/>
+        </c:ser>
+        <c:ser>
+          <c:idx val="1"/>
+          <c:order val="1"/>
+          <c:tx>
+            <c:strRef>
+              <c:f>ANALYSE!$B$9</c:f>
+              <c:strCache>
+                <c:ptCount val="1"/>
+                <c:pt idx="0">
+                  <c:v>SSDT</c:v>
+                </c:pt>
+              </c:strCache>
+            </c:strRef>
+          </c:tx>
+          <c:spPr>
+            <a:ln w="22225" cap="rnd">
+              <a:solidFill>
+                <a:schemeClr val="accent2"/>
+              </a:solidFill>
+              <a:round/>
+            </a:ln>
+            <a:effectLst/>
+          </c:spPr>
+          <c:marker>
+            <c:symbol val="none"/>
+          </c:marker>
+          <c:xVal>
+            <c:numRef>
+              <c:f>ANALYSE!$C$6:$F$6</c:f>
+              <c:numCache>
+                <c:formatCode>General</c:formatCode>
+                <c:ptCount val="4"/>
+                <c:pt idx="0">
+                  <c:v>100</c:v>
+                </c:pt>
+                <c:pt idx="1">
+                  <c:v>500</c:v>
+                </c:pt>
+                <c:pt idx="2">
+                  <c:v>1024</c:v>
+                </c:pt>
+                <c:pt idx="3">
+                  <c:v>4096</c:v>
+                </c:pt>
+              </c:numCache>
+            </c:numRef>
+          </c:xVal>
+          <c:yVal>
+            <c:numRef>
+              <c:f>ANALYSE!$C$9:$F$9</c:f>
+              <c:numCache>
+                <c:formatCode>General</c:formatCode>
+                <c:ptCount val="4"/>
+                <c:pt idx="0">
+                  <c:v>1852</c:v>
+                </c:pt>
+                <c:pt idx="1">
+                  <c:v>1740</c:v>
+                </c:pt>
+                <c:pt idx="2">
+                  <c:v>1706</c:v>
+                </c:pt>
+                <c:pt idx="3">
+                  <c:v>1659</c:v>
+                </c:pt>
+              </c:numCache>
+            </c:numRef>
+          </c:yVal>
+          <c:smooth val="0"/>
+        </c:ser>
+        <c:ser>
+          <c:idx val="3"/>
+          <c:order val="2"/>
+          <c:tx>
+            <c:strRef>
+              <c:f>ANALYSE!$B$10</c:f>
+              <c:strCache>
+                <c:ptCount val="1"/>
+                <c:pt idx="0">
+                  <c:v>Metropolis</c:v>
+                </c:pt>
+              </c:strCache>
+            </c:strRef>
+          </c:tx>
+          <c:spPr>
+            <a:ln w="22225" cap="rnd">
+              <a:solidFill>
+                <a:schemeClr val="accent4"/>
+              </a:solidFill>
+              <a:round/>
+            </a:ln>
+            <a:effectLst/>
+          </c:spPr>
+          <c:marker>
+            <c:symbol val="none"/>
+          </c:marker>
+          <c:xVal>
+            <c:numRef>
+              <c:f>ANALYSE!$C$6:$F$6</c:f>
+              <c:numCache>
+                <c:formatCode>General</c:formatCode>
+                <c:ptCount val="4"/>
+                <c:pt idx="0">
+                  <c:v>100</c:v>
+                </c:pt>
+                <c:pt idx="1">
+                  <c:v>500</c:v>
+                </c:pt>
+                <c:pt idx="2">
+                  <c:v>1024</c:v>
+                </c:pt>
+                <c:pt idx="3">
+                  <c:v>4096</c:v>
+                </c:pt>
+              </c:numCache>
+            </c:numRef>
+          </c:xVal>
+          <c:yVal>
+            <c:numRef>
+              <c:f>ANALYSE!$C$10:$F$10</c:f>
+              <c:numCache>
+                <c:formatCode>General</c:formatCode>
+                <c:ptCount val="4"/>
+                <c:pt idx="0">
+                  <c:v>1897</c:v>
+                </c:pt>
+                <c:pt idx="1">
+                  <c:v>1927</c:v>
+                </c:pt>
+                <c:pt idx="2">
+                  <c:v>1899</c:v>
+                </c:pt>
+                <c:pt idx="3">
+                  <c:v>1918</c:v>
+                </c:pt>
+              </c:numCache>
+            </c:numRef>
+          </c:yVal>
+          <c:smooth val="0"/>
+        </c:ser>
+        <c:dLbls>
+          <c:showLegendKey val="0"/>
+          <c:showVal val="0"/>
+          <c:showCatName val="0"/>
+          <c:showSerName val="0"/>
+          <c:showPercent val="0"/>
+          <c:showBubbleSize val="0"/>
+        </c:dLbls>
+        <c:axId val="-857948544"/>
+        <c:axId val="-857942016"/>
+      </c:scatterChart>
+      <c:valAx>
+        <c:axId val="-857948544"/>
+        <c:scaling>
+          <c:orientation val="minMax"/>
+        </c:scaling>
+        <c:delete val="0"/>
+        <c:axPos val="b"/>
+        <c:majorGridlines>
+          <c:spPr>
+            <a:ln w="9525" cap="flat" cmpd="sng" algn="ctr">
+              <a:solidFill>
+                <a:schemeClr val="tx1">
+                  <a:lumMod val="15000"/>
+                  <a:lumOff val="85000"/>
+                </a:schemeClr>
+              </a:solidFill>
+              <a:round/>
+            </a:ln>
+            <a:effectLst/>
+          </c:spPr>
+        </c:majorGridlines>
+        <c:title>
+          <c:tx>
+            <c:rich>
+              <a:bodyPr rot="0" spcFirstLastPara="1" vertOverflow="ellipsis" vert="horz" wrap="square" anchor="ctr" anchorCtr="1"/>
+              <a:lstStyle/>
+              <a:p>
+                <a:pPr>
+                  <a:defRPr sz="900" b="0" i="0" u="none" strike="noStrike" kern="1200" cap="all" baseline="0">
+                    <a:ln>
+                      <a:solidFill>
+                        <a:schemeClr val="accent1"/>
+                      </a:solidFill>
+                    </a:ln>
+                    <a:solidFill>
+                      <a:schemeClr val="tx1">
+                        <a:lumMod val="65000"/>
+                        <a:lumOff val="35000"/>
+                      </a:schemeClr>
+                    </a:solidFill>
+                    <a:latin typeface="+mn-lt"/>
+                    <a:ea typeface="+mn-ea"/>
+                    <a:cs typeface="+mn-cs"/>
+                  </a:defRPr>
+                </a:pPr>
+                <a:r>
+                  <a:rPr lang="fr-FR"/>
+                  <a:t>TAILLE DE L'AGREGAT [MO]</a:t>
+                </a:r>
+              </a:p>
+            </c:rich>
+          </c:tx>
+          <c:overlay val="0"/>
+          <c:spPr>
+            <a:noFill/>
+            <a:ln>
+              <a:noFill/>
+            </a:ln>
+            <a:effectLst/>
+          </c:spPr>
+          <c:txPr>
+            <a:bodyPr rot="0" spcFirstLastPara="1" vertOverflow="ellipsis" vert="horz" wrap="square" anchor="ctr" anchorCtr="1"/>
+            <a:lstStyle/>
+            <a:p>
+              <a:pPr>
+                <a:defRPr sz="900" b="0" i="0" u="none" strike="noStrike" kern="1200" cap="all" baseline="0">
+                  <a:ln>
+                    <a:solidFill>
+                      <a:schemeClr val="accent1"/>
+                    </a:solidFill>
+                  </a:ln>
+                  <a:solidFill>
+                    <a:schemeClr val="tx1">
+                      <a:lumMod val="65000"/>
+                      <a:lumOff val="35000"/>
+                    </a:schemeClr>
+                  </a:solidFill>
+                  <a:latin typeface="+mn-lt"/>
+                  <a:ea typeface="+mn-ea"/>
+                  <a:cs typeface="+mn-cs"/>
+                </a:defRPr>
+              </a:pPr>
+              <a:endParaRPr lang="fr-FR"/>
+            </a:p>
+          </c:txPr>
+        </c:title>
+        <c:numFmt formatCode="General" sourceLinked="1"/>
+        <c:majorTickMark val="none"/>
+        <c:minorTickMark val="none"/>
+        <c:tickLblPos val="nextTo"/>
+        <c:spPr>
+          <a:noFill/>
+          <a:ln w="9525" cap="flat" cmpd="sng" algn="ctr">
+            <a:solidFill>
+              <a:schemeClr val="dk1">
+                <a:lumMod val="15000"/>
+                <a:lumOff val="85000"/>
+              </a:schemeClr>
+            </a:solidFill>
+            <a:round/>
+          </a:ln>
+          <a:effectLst/>
+        </c:spPr>
+        <c:txPr>
+          <a:bodyPr rot="-60000000" spcFirstLastPara="1" vertOverflow="ellipsis" vert="horz" wrap="square" anchor="ctr" anchorCtr="1"/>
+          <a:lstStyle/>
+          <a:p>
+            <a:pPr>
+              <a:defRPr sz="900" b="0" i="0" u="none" strike="noStrike" kern="1200" baseline="0">
+                <a:ln>
+                  <a:solidFill>
+                    <a:schemeClr val="accent1"/>
+                  </a:solidFill>
+                </a:ln>
+                <a:solidFill>
+                  <a:schemeClr val="tx1">
+                    <a:lumMod val="65000"/>
+                    <a:lumOff val="35000"/>
+                  </a:schemeClr>
+                </a:solidFill>
+                <a:latin typeface="+mn-lt"/>
+                <a:ea typeface="+mn-ea"/>
+                <a:cs typeface="+mn-cs"/>
+              </a:defRPr>
+            </a:pPr>
+            <a:endParaRPr lang="fr-FR"/>
+          </a:p>
+        </c:txPr>
+        <c:crossAx val="-857942016"/>
+        <c:crosses val="autoZero"/>
+        <c:crossBetween val="midCat"/>
+      </c:valAx>
+      <c:valAx>
+        <c:axId val="-857942016"/>
+        <c:scaling>
+          <c:orientation val="minMax"/>
+        </c:scaling>
+        <c:delete val="0"/>
+        <c:axPos val="l"/>
+        <c:majorGridlines>
+          <c:spPr>
+            <a:ln w="9525" cap="flat" cmpd="sng" algn="ctr">
+              <a:solidFill>
+                <a:schemeClr val="tx1">
+                  <a:lumMod val="15000"/>
+                  <a:lumOff val="85000"/>
+                </a:schemeClr>
+              </a:solidFill>
+              <a:round/>
+            </a:ln>
+            <a:effectLst/>
+          </c:spPr>
+        </c:majorGridlines>
+        <c:title>
+          <c:tx>
+            <c:rich>
+              <a:bodyPr rot="-5400000" spcFirstLastPara="1" vertOverflow="ellipsis" vert="horz" wrap="square" anchor="ctr" anchorCtr="1"/>
+              <a:lstStyle/>
+              <a:p>
+                <a:pPr>
+                  <a:defRPr sz="900" b="0" i="0" u="none" strike="noStrike" kern="1200" cap="all" baseline="0">
+                    <a:ln>
+                      <a:solidFill>
+                        <a:schemeClr val="accent1"/>
+                      </a:solidFill>
+                    </a:ln>
+                    <a:solidFill>
+                      <a:schemeClr val="tx1">
+                        <a:lumMod val="65000"/>
+                        <a:lumOff val="35000"/>
+                      </a:schemeClr>
+                    </a:solidFill>
+                    <a:latin typeface="+mn-lt"/>
+                    <a:ea typeface="+mn-ea"/>
+                    <a:cs typeface="+mn-cs"/>
+                  </a:defRPr>
+                </a:pPr>
+                <a:r>
+                  <a:rPr lang="fr-FR"/>
+                  <a:t>Temps</a:t>
+                </a:r>
+                <a:r>
+                  <a:rPr lang="fr-FR" baseline="0"/>
+                  <a:t> de generation du report [ms]</a:t>
+                </a:r>
+                <a:endParaRPr lang="fr-FR"/>
+              </a:p>
+            </c:rich>
+          </c:tx>
+          <c:overlay val="0"/>
+          <c:spPr>
+            <a:noFill/>
+            <a:ln>
+              <a:noFill/>
+            </a:ln>
+            <a:effectLst/>
+          </c:spPr>
+          <c:txPr>
+            <a:bodyPr rot="-5400000" spcFirstLastPara="1" vertOverflow="ellipsis" vert="horz" wrap="square" anchor="ctr" anchorCtr="1"/>
+            <a:lstStyle/>
+            <a:p>
+              <a:pPr>
+                <a:defRPr sz="900" b="0" i="0" u="none" strike="noStrike" kern="1200" cap="all" baseline="0">
+                  <a:ln>
+                    <a:solidFill>
+                      <a:schemeClr val="accent1"/>
+                    </a:solidFill>
+                  </a:ln>
+                  <a:solidFill>
+                    <a:schemeClr val="tx1">
+                      <a:lumMod val="65000"/>
+                      <a:lumOff val="35000"/>
+                    </a:schemeClr>
+                  </a:solidFill>
+                  <a:latin typeface="+mn-lt"/>
+                  <a:ea typeface="+mn-ea"/>
+                  <a:cs typeface="+mn-cs"/>
+                </a:defRPr>
+              </a:pPr>
+              <a:endParaRPr lang="fr-FR"/>
+            </a:p>
+          </c:txPr>
+        </c:title>
+        <c:numFmt formatCode="General" sourceLinked="1"/>
+        <c:majorTickMark val="none"/>
+        <c:minorTickMark val="none"/>
+        <c:tickLblPos val="nextTo"/>
+        <c:spPr>
+          <a:noFill/>
+          <a:ln w="9525" cap="flat" cmpd="sng" algn="ctr">
+            <a:solidFill>
+              <a:schemeClr val="dk1">
+                <a:lumMod val="15000"/>
+                <a:lumOff val="85000"/>
+              </a:schemeClr>
+            </a:solidFill>
+            <a:round/>
+          </a:ln>
+          <a:effectLst/>
+        </c:spPr>
+        <c:txPr>
+          <a:bodyPr rot="-60000000" spcFirstLastPara="1" vertOverflow="ellipsis" vert="horz" wrap="square" anchor="ctr" anchorCtr="1"/>
+          <a:lstStyle/>
+          <a:p>
+            <a:pPr>
+              <a:defRPr sz="900" b="0" i="0" u="none" strike="noStrike" kern="1200" baseline="0">
+                <a:ln>
+                  <a:solidFill>
+                    <a:schemeClr val="accent1"/>
+                  </a:solidFill>
+                </a:ln>
+                <a:solidFill>
+                  <a:schemeClr val="tx1">
+                    <a:lumMod val="65000"/>
+                    <a:lumOff val="35000"/>
+                  </a:schemeClr>
+                </a:solidFill>
+                <a:latin typeface="+mn-lt"/>
+                <a:ea typeface="+mn-ea"/>
+                <a:cs typeface="+mn-cs"/>
+              </a:defRPr>
+            </a:pPr>
+            <a:endParaRPr lang="fr-FR"/>
+          </a:p>
+        </c:txPr>
+        <c:crossAx val="-857948544"/>
+        <c:crosses val="autoZero"/>
+        <c:crossBetween val="midCat"/>
+      </c:valAx>
+      <c:spPr>
+        <a:noFill/>
+        <a:ln>
+          <a:noFill/>
+        </a:ln>
+        <a:effectLst/>
+      </c:spPr>
+    </c:plotArea>
+    <c:legend>
+      <c:legendPos val="r"/>
+      <c:overlay val="0"/>
+      <c:spPr>
+        <a:noFill/>
+        <a:ln>
+          <a:noFill/>
+        </a:ln>
+        <a:effectLst/>
+      </c:spPr>
+      <c:txPr>
+        <a:bodyPr rot="0" spcFirstLastPara="1" vertOverflow="ellipsis" vert="horz" wrap="square" anchor="ctr" anchorCtr="1"/>
+        <a:lstStyle/>
+        <a:p>
+          <a:pPr>
+            <a:defRPr sz="900" b="0" i="0" u="none" strike="noStrike" kern="1200" baseline="0">
+              <a:ln>
+                <a:solidFill>
+                  <a:schemeClr val="accent1"/>
+                </a:solidFill>
+              </a:ln>
+              <a:solidFill>
+                <a:schemeClr val="tx1">
+                  <a:lumMod val="65000"/>
+                  <a:lumOff val="35000"/>
+                </a:schemeClr>
+              </a:solidFill>
+              <a:latin typeface="+mn-lt"/>
+              <a:ea typeface="+mn-ea"/>
+              <a:cs typeface="+mn-cs"/>
+            </a:defRPr>
+          </a:pPr>
+          <a:endParaRPr lang="fr-FR"/>
+        </a:p>
+      </c:txPr>
+    </c:legend>
+    <c:plotVisOnly val="1"/>
+    <c:dispBlanksAs val="gap"/>
+    <c:showDLblsOverMax val="0"/>
+  </c:chart>
+  <c:spPr>
+    <a:noFill/>
+    <a:ln>
+      <a:noFill/>
+    </a:ln>
+    <a:effectLst/>
+  </c:spPr>
+  <c:txPr>
+    <a:bodyPr/>
+    <a:lstStyle/>
+    <a:p>
+      <a:pPr>
+        <a:defRPr>
+          <a:ln>
+            <a:solidFill>
+              <a:schemeClr val="accent1"/>
+            </a:solidFill>
+          </a:ln>
+        </a:defRPr>
+      </a:pPr>
+      <a:endParaRPr lang="fr-FR"/>
+    </a:p>
+  </c:txPr>
+  <c:externalData r:id="rId3">
+    <c:autoUpdate val="0"/>
+  </c:externalData>
+</c:chartSpace>
+</file>
+
+<file path=ppt/charts/colors1.xml><?xml version="1.0" encoding="utf-8"?>
+<cs:colorStyle xmlns:cs="http://schemas.microsoft.com/office/drawing/2012/chartStyle" xmlns:a="http://schemas.openxmlformats.org/drawingml/2006/main" meth="cycle" id="10">
+  <a:schemeClr val="accent1"/>
+  <a:schemeClr val="accent2"/>
+  <a:schemeClr val="accent3"/>
+  <a:schemeClr val="accent4"/>
+  <a:schemeClr val="accent5"/>
+  <a:schemeClr val="accent6"/>
+  <cs:variation/>
+  <cs:variation>
+    <a:lumMod val="60000"/>
+  </cs:variation>
+  <cs:variation>
+    <a:lumMod val="80000"/>
+    <a:lumOff val="20000"/>
+  </cs:variation>
+  <cs:variation>
+    <a:lumMod val="80000"/>
+  </cs:variation>
+  <cs:variation>
+    <a:lumMod val="60000"/>
+    <a:lumOff val="40000"/>
+  </cs:variation>
+  <cs:variation>
+    <a:lumMod val="50000"/>
+  </cs:variation>
+  <cs:variation>
+    <a:lumMod val="70000"/>
+    <a:lumOff val="30000"/>
+  </cs:variation>
+  <cs:variation>
+    <a:lumMod val="70000"/>
+  </cs:variation>
+  <cs:variation>
+    <a:lumMod val="50000"/>
+    <a:lumOff val="50000"/>
+  </cs:variation>
+</cs:colorStyle>
+</file>
+
+<file path=ppt/charts/style1.xml><?xml version="1.0" encoding="utf-8"?>
+<cs:chartStyle xmlns:cs="http://schemas.microsoft.com/office/drawing/2012/chartStyle" xmlns:a="http://schemas.openxmlformats.org/drawingml/2006/main" id="241">
+  <cs:axisTitle>
+    <cs:lnRef idx="0"/>
+    <cs:fillRef idx="0"/>
+    <cs:effectRef idx="0"/>
+    <cs:fontRef idx="minor">
+      <a:schemeClr val="tx1">
+        <a:lumMod val="65000"/>
+        <a:lumOff val="35000"/>
+      </a:schemeClr>
+    </cs:fontRef>
+    <cs:defRPr sz="900" kern="1200" cap="all"/>
+  </cs:axisTitle>
+  <cs:categoryAxis>
+    <cs:lnRef idx="0"/>
+    <cs:fillRef idx="0"/>
+    <cs:effectRef idx="0"/>
+    <cs:fontRef idx="minor">
+      <a:schemeClr val="tx1">
+        <a:lumMod val="65000"/>
+        <a:lumOff val="35000"/>
+      </a:schemeClr>
+    </cs:fontRef>
+    <cs:spPr>
+      <a:ln w="9525" cap="flat" cmpd="sng" algn="ctr">
+        <a:solidFill>
+          <a:schemeClr val="tx1">
+            <a:lumMod val="15000"/>
+            <a:lumOff val="85000"/>
+          </a:schemeClr>
+        </a:solidFill>
+        <a:round/>
+      </a:ln>
+    </cs:spPr>
+    <cs:defRPr sz="900" kern="1200" cap="all" spc="120" normalizeH="0" baseline="0"/>
+  </cs:categoryAxis>
+  <cs:chartArea mods="allowNoFillOverride allowNoLineOverride">
+    <cs:lnRef idx="0"/>
+    <cs:fillRef idx="0"/>
+    <cs:effectRef idx="0"/>
+    <cs:fontRef idx="minor">
+      <a:schemeClr val="dk1"/>
+    </cs:fontRef>
+    <cs:spPr>
+      <a:solidFill>
+        <a:schemeClr val="lt1"/>
+      </a:solidFill>
+      <a:ln w="9525" cap="flat" cmpd="sng" algn="ctr">
+        <a:solidFill>
+          <a:schemeClr val="tx1">
+            <a:lumMod val="15000"/>
+            <a:lumOff val="85000"/>
+          </a:schemeClr>
+        </a:solidFill>
+        <a:round/>
+      </a:ln>
+    </cs:spPr>
+    <cs:defRPr sz="900" kern="1200"/>
+  </cs:chartArea>
+  <cs:dataLabel>
+    <cs:lnRef idx="0"/>
+    <cs:fillRef idx="0"/>
+    <cs:effectRef idx="0"/>
+    <cs:fontRef idx="minor">
+      <a:schemeClr val="tx1">
+        <a:lumMod val="50000"/>
+        <a:lumOff val="50000"/>
+      </a:schemeClr>
+    </cs:fontRef>
+    <cs:defRPr sz="800" b="0" i="0" u="none" strike="noStrike" kern="1200" baseline="0"/>
+  </cs:dataLabel>
+  <cs:dataLabelCallout>
+    <cs:lnRef idx="0"/>
+    <cs:fillRef idx="0"/>
+    <cs:effectRef idx="0"/>
+    <cs:fontRef idx="minor">
+      <a:schemeClr val="dk1">
+        <a:lumMod val="65000"/>
+        <a:lumOff val="35000"/>
+      </a:schemeClr>
+    </cs:fontRef>
+    <cs:spPr>
+      <a:solidFill>
+        <a:schemeClr val="lt1"/>
+      </a:solidFill>
+      <a:ln>
+        <a:solidFill>
+          <a:schemeClr val="dk1">
+            <a:lumMod val="25000"/>
+            <a:lumOff val="75000"/>
+          </a:schemeClr>
+        </a:solidFill>
+      </a:ln>
+    </cs:spPr>
+    <cs:defRPr sz="900" kern="1200"/>
+    <cs:bodyPr rot="0" spcFirstLastPara="1" vertOverflow="clip" horzOverflow="clip" vert="horz" wrap="square" lIns="36576" tIns="18288" rIns="36576" bIns="18288" anchor="ctr" anchorCtr="1">
+      <a:spAutoFit/>
+    </cs:bodyPr>
+  </cs:dataLabelCallout>
+  <cs:dataPoint>
+    <cs:lnRef idx="0"/>
+    <cs:fillRef idx="0">
+      <cs:styleClr val="auto"/>
+    </cs:fillRef>
+    <cs:effectRef idx="0"/>
+    <cs:fontRef idx="minor">
+      <a:schemeClr val="dk1"/>
+    </cs:fontRef>
+    <cs:spPr>
+      <a:solidFill>
+        <a:schemeClr val="phClr"/>
+      </a:solidFill>
+    </cs:spPr>
+  </cs:dataPoint>
+  <cs:dataPoint3D>
+    <cs:lnRef idx="0"/>
+    <cs:fillRef idx="0">
+      <cs:styleClr val="auto"/>
+    </cs:fillRef>
+    <cs:effectRef idx="0"/>
+    <cs:fontRef idx="minor">
+      <a:schemeClr val="dk1"/>
+    </cs:fontRef>
+    <cs:spPr>
+      <a:solidFill>
+        <a:schemeClr val="phClr"/>
+      </a:solidFill>
+    </cs:spPr>
+  </cs:dataPoint3D>
+  <cs:dataPointLine>
+    <cs:lnRef idx="0">
+      <cs:styleClr val="auto"/>
+    </cs:lnRef>
+    <cs:fillRef idx="0"/>
+    <cs:effectRef idx="0"/>
+    <cs:fontRef idx="minor">
+      <a:schemeClr val="dk1"/>
+    </cs:fontRef>
+    <cs:spPr>
+      <a:ln w="22225" cap="rnd">
+        <a:solidFill>
+          <a:schemeClr val="phClr"/>
+        </a:solidFill>
+        <a:round/>
+      </a:ln>
+    </cs:spPr>
+  </cs:dataPointLine>
+  <cs:dataPointMarker>
+    <cs:lnRef idx="0">
+      <cs:styleClr val="auto"/>
+    </cs:lnRef>
+    <cs:fillRef idx="0">
+      <cs:styleClr val="auto"/>
+    </cs:fillRef>
+    <cs:effectRef idx="0"/>
+    <cs:fontRef idx="minor">
+      <a:schemeClr val="dk1"/>
+    </cs:fontRef>
+    <cs:spPr>
+      <a:solidFill>
+        <a:schemeClr val="phClr"/>
+      </a:solidFill>
+      <a:ln w="9525">
+        <a:solidFill>
+          <a:schemeClr val="phClr"/>
+        </a:solidFill>
+        <a:round/>
+      </a:ln>
+    </cs:spPr>
+  </cs:dataPointMarker>
+  <cs:dataPointMarkerLayout size="6"/>
+  <cs:dataPointWireframe>
+    <cs:lnRef idx="0">
+      <cs:styleClr val="auto"/>
+    </cs:lnRef>
+    <cs:fillRef idx="0"/>
+    <cs:effectRef idx="0"/>
+    <cs:fontRef idx="minor">
+      <a:schemeClr val="dk1"/>
+    </cs:fontRef>
+    <cs:spPr>
+      <a:ln w="9525" cap="rnd">
+        <a:solidFill>
+          <a:schemeClr val="phClr"/>
+        </a:solidFill>
+        <a:round/>
+      </a:ln>
+    </cs:spPr>
+  </cs:dataPointWireframe>
+  <cs:dataTable>
+    <cs:lnRef idx="0"/>
+    <cs:fillRef idx="0"/>
+    <cs:effectRef idx="0"/>
+    <cs:fontRef idx="minor">
+      <a:schemeClr val="tx1">
+        <a:lumMod val="65000"/>
+        <a:lumOff val="35000"/>
+      </a:schemeClr>
+    </cs:fontRef>
+    <cs:spPr>
+      <a:ln w="9525">
+        <a:solidFill>
+          <a:schemeClr val="tx1">
+            <a:lumMod val="15000"/>
+            <a:lumOff val="85000"/>
+          </a:schemeClr>
+        </a:solidFill>
+      </a:ln>
+    </cs:spPr>
+    <cs:defRPr sz="900" kern="1200"/>
+  </cs:dataTable>
+  <cs:downBar>
+    <cs:lnRef idx="0"/>
+    <cs:fillRef idx="0"/>
+    <cs:effectRef idx="0"/>
+    <cs:fontRef idx="minor">
+      <a:schemeClr val="dk1"/>
+    </cs:fontRef>
+    <cs:spPr>
+      <a:solidFill>
+        <a:schemeClr val="dk1">
+          <a:lumMod val="75000"/>
+          <a:lumOff val="25000"/>
+        </a:schemeClr>
+      </a:solidFill>
+      <a:ln w="9525">
+        <a:solidFill>
+          <a:schemeClr val="tx1">
+            <a:lumMod val="15000"/>
+            <a:lumOff val="85000"/>
+          </a:schemeClr>
+        </a:solidFill>
+      </a:ln>
+    </cs:spPr>
+  </cs:downBar>
+  <cs:dropLine>
+    <cs:lnRef idx="0"/>
+    <cs:fillRef idx="0"/>
+    <cs:effectRef idx="0"/>
+    <cs:fontRef idx="minor">
+      <a:schemeClr val="dk1"/>
+    </cs:fontRef>
+    <cs:spPr>
+      <a:ln w="9525">
+        <a:solidFill>
+          <a:schemeClr val="tx1">
+            <a:lumMod val="35000"/>
+            <a:lumOff val="65000"/>
+          </a:schemeClr>
+        </a:solidFill>
+      </a:ln>
+    </cs:spPr>
+  </cs:dropLine>
+  <cs:errorBar>
+    <cs:lnRef idx="0"/>
+    <cs:fillRef idx="0"/>
+    <cs:effectRef idx="0"/>
+    <cs:fontRef idx="minor">
+      <a:schemeClr val="dk1"/>
+    </cs:fontRef>
+    <cs:spPr>
+      <a:ln w="9525">
+        <a:solidFill>
+          <a:schemeClr val="tx1">
+            <a:lumMod val="65000"/>
+            <a:lumOff val="35000"/>
+          </a:schemeClr>
+        </a:solidFill>
+        <a:round/>
+      </a:ln>
+    </cs:spPr>
+  </cs:errorBar>
+  <cs:floor>
+    <cs:lnRef idx="0"/>
+    <cs:fillRef idx="0"/>
+    <cs:effectRef idx="0"/>
+    <cs:fontRef idx="minor">
+      <a:schemeClr val="dk1"/>
+    </cs:fontRef>
+  </cs:floor>
+  <cs:gridlineMajor>
+    <cs:lnRef idx="0"/>
+    <cs:fillRef idx="0"/>
+    <cs:effectRef idx="0"/>
+    <cs:fontRef idx="minor">
+      <a:schemeClr val="dk1"/>
+    </cs:fontRef>
+    <cs:spPr>
+      <a:ln w="9525" cap="flat" cmpd="sng" algn="ctr">
+        <a:solidFill>
+          <a:schemeClr val="tx1">
+            <a:lumMod val="15000"/>
+            <a:lumOff val="85000"/>
+          </a:schemeClr>
+        </a:solidFill>
+        <a:round/>
+      </a:ln>
+    </cs:spPr>
+  </cs:gridlineMajor>
+  <cs:gridlineMinor>
+    <cs:lnRef idx="0"/>
+    <cs:fillRef idx="0"/>
+    <cs:effectRef idx="0"/>
+    <cs:fontRef idx="minor">
+      <a:schemeClr val="dk1"/>
+    </cs:fontRef>
+    <cs:spPr>
+      <a:ln>
+        <a:solidFill>
+          <a:schemeClr val="tx1">
+            <a:lumMod val="5000"/>
+            <a:lumOff val="95000"/>
+          </a:schemeClr>
+        </a:solidFill>
+      </a:ln>
+    </cs:spPr>
+  </cs:gridlineMinor>
+  <cs:hiLoLine>
+    <cs:lnRef idx="0"/>
+    <cs:fillRef idx="0"/>
+    <cs:effectRef idx="0"/>
+    <cs:fontRef idx="minor">
+      <a:schemeClr val="dk1"/>
+    </cs:fontRef>
+    <cs:spPr>
+      <a:ln w="9525">
+        <a:solidFill>
+          <a:schemeClr val="tx1">
+            <a:lumMod val="35000"/>
+            <a:lumOff val="65000"/>
+          </a:schemeClr>
+        </a:solidFill>
+      </a:ln>
+    </cs:spPr>
+  </cs:hiLoLine>
+  <cs:leaderLine>
+    <cs:lnRef idx="0"/>
+    <cs:fillRef idx="0"/>
+    <cs:effectRef idx="0"/>
+    <cs:fontRef idx="minor">
+      <a:schemeClr val="dk1"/>
+    </cs:fontRef>
+    <cs:spPr>
+      <a:ln w="9525">
+        <a:solidFill>
+          <a:schemeClr val="tx1">
+            <a:lumMod val="35000"/>
+            <a:lumOff val="65000"/>
+          </a:schemeClr>
+        </a:solidFill>
+      </a:ln>
+    </cs:spPr>
+  </cs:leaderLine>
+  <cs:legend>
+    <cs:lnRef idx="0"/>
+    <cs:fillRef idx="0"/>
+    <cs:effectRef idx="0"/>
+    <cs:fontRef idx="minor">
+      <a:schemeClr val="tx1">
+        <a:lumMod val="65000"/>
+        <a:lumOff val="35000"/>
+      </a:schemeClr>
+    </cs:fontRef>
+    <cs:defRPr sz="900" kern="1200"/>
+  </cs:legend>
+  <cs:plotArea mods="allowNoFillOverride allowNoLineOverride">
+    <cs:lnRef idx="0"/>
+    <cs:fillRef idx="0"/>
+    <cs:effectRef idx="0"/>
+    <cs:fontRef idx="minor">
+      <a:schemeClr val="dk1"/>
+    </cs:fontRef>
+  </cs:plotArea>
+  <cs:plotArea3D mods="allowNoFillOverride allowNoLineOverride">
+    <cs:lnRef idx="0"/>
+    <cs:fillRef idx="0"/>
+    <cs:effectRef idx="0"/>
+    <cs:fontRef idx="minor">
+      <a:schemeClr val="dk1"/>
+    </cs:fontRef>
+  </cs:plotArea3D>
+  <cs:seriesAxis>
+    <cs:lnRef idx="0"/>
+    <cs:fillRef idx="0"/>
+    <cs:effectRef idx="0"/>
+    <cs:fontRef idx="minor">
+      <a:schemeClr val="tx1">
+        <a:lumMod val="65000"/>
+        <a:lumOff val="35000"/>
+      </a:schemeClr>
+    </cs:fontRef>
+    <cs:spPr>
+      <a:ln w="9525" cap="flat" cmpd="sng" algn="ctr">
+        <a:solidFill>
+          <a:schemeClr val="tx1">
+            <a:lumMod val="15000"/>
+            <a:lumOff val="85000"/>
+          </a:schemeClr>
+        </a:solidFill>
+        <a:round/>
+      </a:ln>
+    </cs:spPr>
+    <cs:defRPr sz="900" kern="1200"/>
+  </cs:seriesAxis>
+  <cs:seriesLine>
+    <cs:lnRef idx="0"/>
+    <cs:fillRef idx="0"/>
+    <cs:effectRef idx="0"/>
+    <cs:fontRef idx="minor">
+      <a:schemeClr val="dk1"/>
+    </cs:fontRef>
+    <cs:spPr>
+      <a:ln w="9525">
+        <a:solidFill>
+          <a:schemeClr val="tx1">
+            <a:lumMod val="35000"/>
+            <a:lumOff val="65000"/>
+          </a:schemeClr>
+        </a:solidFill>
+        <a:round/>
+      </a:ln>
+    </cs:spPr>
+  </cs:seriesLine>
+  <cs:title>
+    <cs:lnRef idx="0"/>
+    <cs:fillRef idx="0"/>
+    <cs:effectRef idx="0"/>
+    <cs:fontRef idx="minor">
+      <a:schemeClr val="tx1">
+        <a:lumMod val="65000"/>
+        <a:lumOff val="35000"/>
+      </a:schemeClr>
+    </cs:fontRef>
+    <cs:defRPr sz="1600" b="1" kern="1200" cap="all" spc="120" normalizeH="0" baseline="0"/>
+  </cs:title>
+  <cs:trendline>
+    <cs:lnRef idx="0">
+      <cs:styleClr val="auto"/>
+    </cs:lnRef>
+    <cs:fillRef idx="0"/>
+    <cs:effectRef idx="0"/>
+    <cs:fontRef idx="minor">
+      <a:schemeClr val="dk1"/>
+    </cs:fontRef>
+    <cs:spPr>
+      <a:ln w="9525" cap="rnd">
+        <a:solidFill>
+          <a:schemeClr val="phClr"/>
+        </a:solidFill>
+      </a:ln>
+    </cs:spPr>
+  </cs:trendline>
+  <cs:trendlineLabel>
+    <cs:lnRef idx="0"/>
+    <cs:fillRef idx="0"/>
+    <cs:effectRef idx="0"/>
+    <cs:fontRef idx="minor">
+      <a:schemeClr val="tx1">
+        <a:lumMod val="65000"/>
+        <a:lumOff val="35000"/>
+      </a:schemeClr>
+    </cs:fontRef>
+    <cs:defRPr sz="800" kern="1200"/>
+  </cs:trendlineLabel>
+  <cs:upBar>
+    <cs:lnRef idx="0"/>
+    <cs:fillRef idx="0"/>
+    <cs:effectRef idx="0"/>
+    <cs:fontRef idx="minor">
+      <a:schemeClr val="dk1"/>
+    </cs:fontRef>
+    <cs:spPr>
+      <a:solidFill>
+        <a:schemeClr val="lt1"/>
+      </a:solidFill>
+      <a:ln w="9525">
+        <a:solidFill>
+          <a:schemeClr val="tx1">
+            <a:lumMod val="65000"/>
+            <a:lumOff val="35000"/>
+          </a:schemeClr>
+        </a:solidFill>
+      </a:ln>
+    </cs:spPr>
+  </cs:upBar>
+  <cs:valueAxis>
+    <cs:lnRef idx="0"/>
+    <cs:fillRef idx="0"/>
+    <cs:effectRef idx="0"/>
+    <cs:fontRef idx="minor">
+      <a:schemeClr val="tx1">
+        <a:lumMod val="65000"/>
+        <a:lumOff val="35000"/>
+      </a:schemeClr>
+    </cs:fontRef>
+    <cs:spPr>
+      <a:ln w="9525" cap="flat" cmpd="sng" algn="ctr">
+        <a:solidFill>
+          <a:schemeClr val="dk1">
+            <a:lumMod val="15000"/>
+            <a:lumOff val="85000"/>
+          </a:schemeClr>
+        </a:solidFill>
+        <a:round/>
+      </a:ln>
+    </cs:spPr>
+    <cs:defRPr sz="900" kern="1200"/>
+  </cs:valueAxis>
+  <cs:wall>
+    <cs:lnRef idx="0"/>
+    <cs:fillRef idx="0"/>
+    <cs:effectRef idx="0"/>
+    <cs:fontRef idx="minor">
+      <a:schemeClr val="dk1"/>
+    </cs:fontRef>
+  </cs:wall>
+</cs:chartStyle>
+</file>
+
 <file path=ppt/notesMasters/notesMaster1.xml><?xml version="1.0" encoding="utf-8"?>
 <p:notesMaster xmlns:a="http://schemas.openxmlformats.org/drawingml/2006/main" xmlns:r="http://schemas.openxmlformats.org/officeDocument/2006/relationships" xmlns:p="http://schemas.openxmlformats.org/presentationml/2006/main">
   <p:cSld>
@@ -221,7 +1370,7 @@
           <a:p>
             <a:fld id="{E52630F6-BB7E-4BB0-B3A1-C739EB574077}" type="datetimeFigureOut">
               <a:rPr lang="fr-FR" smtClean="0"/>
-              <a:t>14/10/2015</a:t>
+              <a:t>15/10/2015</a:t>
             </a:fld>
             <a:endParaRPr lang="fr-FR"/>
           </a:p>
@@ -647,7 +1796,7 @@
     </p:spTree>
     <p:extLst>
       <p:ext uri="{BB962C8B-B14F-4D97-AF65-F5344CB8AC3E}">
-        <p14:creationId xmlns:p14="http://schemas.microsoft.com/office/powerpoint/2010/main" val="3758558506"/>
+        <p14:creationId xmlns:p14="http://schemas.microsoft.com/office/powerpoint/2010/main" val="4008039368"/>
       </p:ext>
     </p:extLst>
   </p:cSld>
@@ -731,7 +1880,7 @@
     </p:spTree>
     <p:extLst>
       <p:ext uri="{BB962C8B-B14F-4D97-AF65-F5344CB8AC3E}">
-        <p14:creationId xmlns:p14="http://schemas.microsoft.com/office/powerpoint/2010/main" val="749656402"/>
+        <p14:creationId xmlns:p14="http://schemas.microsoft.com/office/powerpoint/2010/main" val="3758558506"/>
       </p:ext>
     </p:extLst>
   </p:cSld>
@@ -815,7 +1964,7 @@
     </p:spTree>
     <p:extLst>
       <p:ext uri="{BB962C8B-B14F-4D97-AF65-F5344CB8AC3E}">
-        <p14:creationId xmlns:p14="http://schemas.microsoft.com/office/powerpoint/2010/main" val="62368532"/>
+        <p14:creationId xmlns:p14="http://schemas.microsoft.com/office/powerpoint/2010/main" val="749656402"/>
       </p:ext>
     </p:extLst>
   </p:cSld>
@@ -890,7 +2039,6 @@
           <a:p>
             <a:fld id="{0C080E5F-76A7-426C-8874-1B043B738D2C}" type="slidenum">
               <a:rPr lang="fr-FR" smtClean="0"/>
-              <a:pPr/>
               <a:t>13</a:t>
             </a:fld>
             <a:endParaRPr lang="fr-FR"/>
@@ -900,7 +2048,7 @@
     </p:spTree>
     <p:extLst>
       <p:ext uri="{BB962C8B-B14F-4D97-AF65-F5344CB8AC3E}">
-        <p14:creationId xmlns:p14="http://schemas.microsoft.com/office/powerpoint/2010/main" val="2389917272"/>
+        <p14:creationId xmlns:p14="http://schemas.microsoft.com/office/powerpoint/2010/main" val="62368532"/>
       </p:ext>
     </p:extLst>
   </p:cSld>
@@ -986,6 +2134,175 @@
     <p:extLst>
       <p:ext uri="{BB962C8B-B14F-4D97-AF65-F5344CB8AC3E}">
         <p14:creationId xmlns:p14="http://schemas.microsoft.com/office/powerpoint/2010/main" val="2389917272"/>
+      </p:ext>
+    </p:extLst>
+  </p:cSld>
+  <p:clrMapOvr>
+    <a:masterClrMapping/>
+  </p:clrMapOvr>
+</p:notes>
+</file>
+
+<file path=ppt/notesSlides/notesSlide15.xml><?xml version="1.0" encoding="utf-8"?>
+<p:notes xmlns:a="http://schemas.openxmlformats.org/drawingml/2006/main" xmlns:r="http://schemas.openxmlformats.org/officeDocument/2006/relationships" xmlns:p="http://schemas.openxmlformats.org/presentationml/2006/main">
+  <p:cSld>
+    <p:spTree>
+      <p:nvGrpSpPr>
+        <p:cNvPr id="1" name=""/>
+        <p:cNvGrpSpPr/>
+        <p:nvPr/>
+      </p:nvGrpSpPr>
+      <p:grpSpPr>
+        <a:xfrm>
+          <a:off x="0" y="0"/>
+          <a:ext cx="0" cy="0"/>
+          <a:chOff x="0" y="0"/>
+          <a:chExt cx="0" cy="0"/>
+        </a:xfrm>
+      </p:grpSpPr>
+      <p:sp>
+        <p:nvSpPr>
+          <p:cNvPr id="2" name="Espace réservé de l'image des diapositives 1"/>
+          <p:cNvSpPr>
+            <a:spLocks noGrp="1" noRot="1" noChangeAspect="1"/>
+          </p:cNvSpPr>
+          <p:nvPr>
+            <p:ph type="sldImg"/>
+          </p:nvPr>
+        </p:nvSpPr>
+        <p:spPr/>
+      </p:sp>
+      <p:sp>
+        <p:nvSpPr>
+          <p:cNvPr id="3" name="Espace réservé des commentaires 2"/>
+          <p:cNvSpPr>
+            <a:spLocks noGrp="1"/>
+          </p:cNvSpPr>
+          <p:nvPr>
+            <p:ph type="body" idx="1"/>
+          </p:nvPr>
+        </p:nvSpPr>
+        <p:spPr/>
+        <p:txBody>
+          <a:bodyPr/>
+          <a:lstStyle/>
+          <a:p>
+            <a:endParaRPr lang="fr-FR"/>
+          </a:p>
+        </p:txBody>
+      </p:sp>
+      <p:sp>
+        <p:nvSpPr>
+          <p:cNvPr id="4" name="Espace réservé du numéro de diapositive 3"/>
+          <p:cNvSpPr>
+            <a:spLocks noGrp="1"/>
+          </p:cNvSpPr>
+          <p:nvPr>
+            <p:ph type="sldNum" sz="quarter" idx="10"/>
+          </p:nvPr>
+        </p:nvSpPr>
+        <p:spPr/>
+        <p:txBody>
+          <a:bodyPr/>
+          <a:lstStyle/>
+          <a:p>
+            <a:fld id="{0C080E5F-76A7-426C-8874-1B043B738D2C}" type="slidenum">
+              <a:rPr lang="fr-FR" smtClean="0"/>
+              <a:pPr/>
+              <a:t>15</a:t>
+            </a:fld>
+            <a:endParaRPr lang="fr-FR"/>
+          </a:p>
+        </p:txBody>
+      </p:sp>
+    </p:spTree>
+    <p:extLst>
+      <p:ext uri="{BB962C8B-B14F-4D97-AF65-F5344CB8AC3E}">
+        <p14:creationId xmlns:p14="http://schemas.microsoft.com/office/powerpoint/2010/main" val="2389917272"/>
+      </p:ext>
+    </p:extLst>
+  </p:cSld>
+  <p:clrMapOvr>
+    <a:masterClrMapping/>
+  </p:clrMapOvr>
+</p:notes>
+</file>
+
+<file path=ppt/notesSlides/notesSlide16.xml><?xml version="1.0" encoding="utf-8"?>
+<p:notes xmlns:a="http://schemas.openxmlformats.org/drawingml/2006/main" xmlns:r="http://schemas.openxmlformats.org/officeDocument/2006/relationships" xmlns:p="http://schemas.openxmlformats.org/presentationml/2006/main">
+  <p:cSld>
+    <p:spTree>
+      <p:nvGrpSpPr>
+        <p:cNvPr id="1" name=""/>
+        <p:cNvGrpSpPr/>
+        <p:nvPr/>
+      </p:nvGrpSpPr>
+      <p:grpSpPr>
+        <a:xfrm>
+          <a:off x="0" y="0"/>
+          <a:ext cx="0" cy="0"/>
+          <a:chOff x="0" y="0"/>
+          <a:chExt cx="0" cy="0"/>
+        </a:xfrm>
+      </p:grpSpPr>
+      <p:sp>
+        <p:nvSpPr>
+          <p:cNvPr id="2" name="Espace réservé de l'image des diapositives 1"/>
+          <p:cNvSpPr>
+            <a:spLocks noGrp="1" noRot="1" noChangeAspect="1"/>
+          </p:cNvSpPr>
+          <p:nvPr>
+            <p:ph type="sldImg"/>
+          </p:nvPr>
+        </p:nvSpPr>
+        <p:spPr/>
+      </p:sp>
+      <p:sp>
+        <p:nvSpPr>
+          <p:cNvPr id="3" name="Espace réservé des commentaires 2"/>
+          <p:cNvSpPr>
+            <a:spLocks noGrp="1"/>
+          </p:cNvSpPr>
+          <p:nvPr>
+            <p:ph type="body" idx="1"/>
+          </p:nvPr>
+        </p:nvSpPr>
+        <p:spPr/>
+        <p:txBody>
+          <a:bodyPr/>
+          <a:lstStyle/>
+          <a:p>
+            <a:endParaRPr lang="fr-FR"/>
+          </a:p>
+        </p:txBody>
+      </p:sp>
+      <p:sp>
+        <p:nvSpPr>
+          <p:cNvPr id="4" name="Espace réservé du numéro de diapositive 3"/>
+          <p:cNvSpPr>
+            <a:spLocks noGrp="1"/>
+          </p:cNvSpPr>
+          <p:nvPr>
+            <p:ph type="sldNum" sz="quarter" idx="10"/>
+          </p:nvPr>
+        </p:nvSpPr>
+        <p:spPr/>
+        <p:txBody>
+          <a:bodyPr/>
+          <a:lstStyle/>
+          <a:p>
+            <a:fld id="{0C080E5F-76A7-426C-8874-1B043B738D2C}" type="slidenum">
+              <a:rPr lang="fr-FR" smtClean="0"/>
+              <a:t>16</a:t>
+            </a:fld>
+            <a:endParaRPr lang="fr-FR"/>
+          </a:p>
+        </p:txBody>
+      </p:sp>
+    </p:spTree>
+    <p:extLst>
+      <p:ext uri="{BB962C8B-B14F-4D97-AF65-F5344CB8AC3E}">
+        <p14:creationId xmlns:p14="http://schemas.microsoft.com/office/powerpoint/2010/main" val="3102802488"/>
       </p:ext>
     </p:extLst>
   </p:cSld>
@@ -1153,7 +2470,7 @@
     </p:spTree>
     <p:extLst>
       <p:ext uri="{BB962C8B-B14F-4D97-AF65-F5344CB8AC3E}">
-        <p14:creationId xmlns:p14="http://schemas.microsoft.com/office/powerpoint/2010/main" val="676760671"/>
+        <p14:creationId xmlns:p14="http://schemas.microsoft.com/office/powerpoint/2010/main" val="4035254673"/>
       </p:ext>
     </p:extLst>
   </p:cSld>
@@ -1237,7 +2554,7 @@
     </p:spTree>
     <p:extLst>
       <p:ext uri="{BB962C8B-B14F-4D97-AF65-F5344CB8AC3E}">
-        <p14:creationId xmlns:p14="http://schemas.microsoft.com/office/powerpoint/2010/main" val="4008039368"/>
+        <p14:creationId xmlns:p14="http://schemas.microsoft.com/office/powerpoint/2010/main" val="676760671"/>
       </p:ext>
     </p:extLst>
   </p:cSld>
@@ -1321,7 +2638,7 @@
     </p:spTree>
     <p:extLst>
       <p:ext uri="{BB962C8B-B14F-4D97-AF65-F5344CB8AC3E}">
-        <p14:creationId xmlns:p14="http://schemas.microsoft.com/office/powerpoint/2010/main" val="46456766"/>
+        <p14:creationId xmlns:p14="http://schemas.microsoft.com/office/powerpoint/2010/main" val="4008039368"/>
       </p:ext>
     </p:extLst>
   </p:cSld>
@@ -1405,7 +2722,7 @@
     </p:spTree>
     <p:extLst>
       <p:ext uri="{BB962C8B-B14F-4D97-AF65-F5344CB8AC3E}">
-        <p14:creationId xmlns:p14="http://schemas.microsoft.com/office/powerpoint/2010/main" val="447969412"/>
+        <p14:creationId xmlns:p14="http://schemas.microsoft.com/office/powerpoint/2010/main" val="46456766"/>
       </p:ext>
     </p:extLst>
   </p:cSld>
@@ -1564,7 +2881,6 @@
           <a:p>
             <a:fld id="{0C080E5F-76A7-426C-8874-1B043B738D2C}" type="slidenum">
               <a:rPr lang="fr-FR" smtClean="0"/>
-              <a:pPr/>
               <a:t>8</a:t>
             </a:fld>
             <a:endParaRPr lang="fr-FR"/>
@@ -1574,7 +2890,7 @@
     </p:spTree>
     <p:extLst>
       <p:ext uri="{BB962C8B-B14F-4D97-AF65-F5344CB8AC3E}">
-        <p14:creationId xmlns:p14="http://schemas.microsoft.com/office/powerpoint/2010/main" val="2389917272"/>
+        <p14:creationId xmlns:p14="http://schemas.microsoft.com/office/powerpoint/2010/main" val="447969412"/>
       </p:ext>
     </p:extLst>
   </p:cSld>
@@ -1649,6 +2965,7 @@
           <a:p>
             <a:fld id="{0C080E5F-76A7-426C-8874-1B043B738D2C}" type="slidenum">
               <a:rPr lang="fr-FR" smtClean="0"/>
+              <a:pPr/>
               <a:t>9</a:t>
             </a:fld>
             <a:endParaRPr lang="fr-FR"/>
@@ -1658,7 +2975,7 @@
     </p:spTree>
     <p:extLst>
       <p:ext uri="{BB962C8B-B14F-4D97-AF65-F5344CB8AC3E}">
-        <p14:creationId xmlns:p14="http://schemas.microsoft.com/office/powerpoint/2010/main" val="4008039368"/>
+        <p14:creationId xmlns:p14="http://schemas.microsoft.com/office/powerpoint/2010/main" val="2389917272"/>
       </p:ext>
     </p:extLst>
   </p:cSld>
@@ -2135,7 +3452,7 @@
           <a:p>
             <a:fld id="{CE5A5207-E07B-4FCF-99F6-F8833A3BB3D7}" type="datetime1">
               <a:rPr lang="fr-FR" smtClean="0"/>
-              <a:t>14/10/2015</a:t>
+              <a:t>15/10/2015</a:t>
             </a:fld>
             <a:endParaRPr lang="fr-FR"/>
           </a:p>
@@ -2315,7 +3632,7 @@
           <a:p>
             <a:fld id="{D68965C6-0898-43EA-9A99-A4039BB22876}" type="datetime1">
               <a:rPr lang="fr-FR" smtClean="0"/>
-              <a:t>14/10/2015</a:t>
+              <a:t>15/10/2015</a:t>
             </a:fld>
             <a:endParaRPr lang="fr-FR"/>
           </a:p>
@@ -2485,7 +3802,7 @@
           <a:p>
             <a:fld id="{94B2F636-2596-4D20-BE75-DC7667EB0908}" type="datetime1">
               <a:rPr lang="fr-FR" smtClean="0"/>
-              <a:t>14/10/2015</a:t>
+              <a:t>15/10/2015</a:t>
             </a:fld>
             <a:endParaRPr lang="fr-FR"/>
           </a:p>
@@ -2731,7 +4048,7 @@
           <a:p>
             <a:fld id="{3941AF55-5B35-49D2-89B7-6A012C2F0023}" type="datetime1">
               <a:rPr lang="fr-FR" smtClean="0"/>
-              <a:t>14/10/2015</a:t>
+              <a:t>15/10/2015</a:t>
             </a:fld>
             <a:endParaRPr lang="fr-FR"/>
           </a:p>
@@ -3019,7 +4336,7 @@
           <a:p>
             <a:fld id="{B36C4D42-2F73-4BB2-8416-8B3A3DDD3EE7}" type="datetime1">
               <a:rPr lang="fr-FR" smtClean="0"/>
-              <a:t>14/10/2015</a:t>
+              <a:t>15/10/2015</a:t>
             </a:fld>
             <a:endParaRPr lang="fr-FR"/>
           </a:p>
@@ -3441,7 +4758,7 @@
           <a:p>
             <a:fld id="{E456F79D-CD5D-4224-B1FA-5F7F3BAA4104}" type="datetime1">
               <a:rPr lang="fr-FR" smtClean="0"/>
-              <a:t>14/10/2015</a:t>
+              <a:t>15/10/2015</a:t>
             </a:fld>
             <a:endParaRPr lang="fr-FR"/>
           </a:p>
@@ -3559,7 +4876,7 @@
           <a:p>
             <a:fld id="{0E910143-4D2C-4FF6-B0A6-06989F9BDBAC}" type="datetime1">
               <a:rPr lang="fr-FR" smtClean="0"/>
-              <a:t>14/10/2015</a:t>
+              <a:t>15/10/2015</a:t>
             </a:fld>
             <a:endParaRPr lang="fr-FR"/>
           </a:p>
@@ -3654,7 +4971,7 @@
           <a:p>
             <a:fld id="{1E0A4A73-C55A-4735-A06F-415E5CC28EBA}" type="datetime1">
               <a:rPr lang="fr-FR" smtClean="0"/>
-              <a:t>14/10/2015</a:t>
+              <a:t>15/10/2015</a:t>
             </a:fld>
             <a:endParaRPr lang="fr-FR"/>
           </a:p>
@@ -3931,7 +5248,7 @@
           <a:p>
             <a:fld id="{B73FC597-E398-43B4-BDF9-08A9085F6959}" type="datetime1">
               <a:rPr lang="fr-FR" smtClean="0"/>
-              <a:t>14/10/2015</a:t>
+              <a:t>15/10/2015</a:t>
             </a:fld>
             <a:endParaRPr lang="fr-FR"/>
           </a:p>
@@ -4184,7 +5501,7 @@
           <a:p>
             <a:fld id="{D6C9D74D-BD35-47D9-98F8-EE91FA02EBB2}" type="datetime1">
               <a:rPr lang="fr-FR" smtClean="0"/>
-              <a:t>14/10/2015</a:t>
+              <a:t>15/10/2015</a:t>
             </a:fld>
             <a:endParaRPr lang="fr-FR"/>
           </a:p>
@@ -4397,7 +5714,7 @@
           <a:p>
             <a:fld id="{C8E6BC2D-0CAC-4C60-B0A8-88D3FE659C6F}" type="datetime1">
               <a:rPr lang="fr-FR" smtClean="0"/>
-              <a:t>14/10/2015</a:t>
+              <a:t>15/10/2015</a:t>
             </a:fld>
             <a:endParaRPr lang="fr-FR"/>
           </a:p>
@@ -5087,66 +6404,14 @@
       </p:sp>
       <p:sp>
         <p:nvSpPr>
-          <p:cNvPr id="4" name="ZoneTexte 3"/>
-          <p:cNvSpPr txBox="1"/>
-          <p:nvPr/>
-        </p:nvSpPr>
-        <p:spPr>
-          <a:xfrm>
-            <a:off x="295023" y="1124744"/>
-            <a:ext cx="1728191" cy="369332"/>
-          </a:xfrm>
-          <a:prstGeom prst="rect">
-            <a:avLst/>
-          </a:prstGeom>
-        </p:spPr>
-        <p:style>
-          <a:lnRef idx="0">
-            <a:schemeClr val="accent3"/>
-          </a:lnRef>
-          <a:fillRef idx="3">
-            <a:schemeClr val="accent3"/>
-          </a:fillRef>
-          <a:effectRef idx="3">
-            <a:schemeClr val="accent3"/>
-          </a:effectRef>
-          <a:fontRef idx="minor">
-            <a:schemeClr val="lt1"/>
-          </a:fontRef>
-        </p:style>
-        <p:txBody>
-          <a:bodyPr wrap="square" rtlCol="0">
-            <a:spAutoFit/>
-          </a:bodyPr>
-          <a:lstStyle/>
-          <a:p>
-            <a:pPr algn="ctr"/>
-            <a:r>
-              <a:rPr lang="fr-FR" dirty="0" smtClean="0">
-                <a:solidFill>
-                  <a:schemeClr val="tx1"/>
-                </a:solidFill>
-              </a:rPr>
-              <a:t>Partie 2</a:t>
-            </a:r>
-            <a:endParaRPr lang="fr-FR" dirty="0">
-              <a:solidFill>
-                <a:schemeClr val="tx1"/>
-              </a:solidFill>
-            </a:endParaRPr>
-          </a:p>
-        </p:txBody>
-      </p:sp>
-      <p:sp>
-        <p:nvSpPr>
-          <p:cNvPr id="12" name="Rectangle 11"/>
+          <p:cNvPr id="5" name="Rectangle 4"/>
           <p:cNvSpPr/>
           <p:nvPr/>
         </p:nvSpPr>
         <p:spPr>
           <a:xfrm>
-            <a:off x="2195736" y="1124744"/>
-            <a:ext cx="6876256" cy="2139047"/>
+            <a:off x="2267744" y="1026280"/>
+            <a:ext cx="6876256" cy="2846933"/>
           </a:xfrm>
           <a:prstGeom prst="rect">
             <a:avLst/>
@@ -5168,17 +6433,16 @@
             </a:pPr>
             <a:r>
               <a:rPr lang="fr-FR" u="sng" dirty="0" smtClean="0"/>
-              <a:t>Présentateurs</a:t>
+              <a:t>Présentateurs </a:t>
             </a:r>
             <a:r>
               <a:rPr lang="fr-FR" dirty="0" smtClean="0"/>
-              <a:t> : </a:t>
+              <a:t>: </a:t>
             </a:r>
             <a:r>
               <a:rPr lang="fr-FR" b="1" dirty="0" smtClean="0"/>
-              <a:t>Bernard [Backup : Brice]  </a:t>
-            </a:r>
-            <a:endParaRPr lang="fr-FR" dirty="0"/>
+              <a:t>Thomas [Backup : Olivier]  </a:t>
+            </a:r>
           </a:p>
           <a:p>
             <a:pPr>
@@ -5189,7 +6453,7 @@
                 <a:spcPts val="300"/>
               </a:spcAft>
             </a:pPr>
-            <a:endParaRPr lang="fr-FR" dirty="0" smtClean="0"/>
+            <a:endParaRPr lang="fr-FR" b="1" dirty="0"/>
           </a:p>
           <a:p>
             <a:pPr>
@@ -5222,7 +6486,49 @@
             </a:pPr>
             <a:r>
               <a:rPr lang="fr-FR" dirty="0" smtClean="0"/>
-              <a:t>SSRS – structure, déploiement et rendu des reports</a:t>
+              <a:t>DWH : Modélisation, DIM_TEMPS, script de remplissage  </a:t>
+            </a:r>
+            <a:endParaRPr lang="fr-FR" dirty="0"/>
+          </a:p>
+          <a:p>
+            <a:pPr marL="285750" indent="-285750">
+              <a:spcBef>
+                <a:spcPts val="300"/>
+              </a:spcBef>
+              <a:spcAft>
+                <a:spcPts val="300"/>
+              </a:spcAft>
+              <a:buFont typeface="Arial" panose="020B0604020202020204" pitchFamily="34" charset="0"/>
+              <a:buChar char="•"/>
+            </a:pPr>
+            <a:r>
+              <a:rPr lang="fr-FR" dirty="0" smtClean="0"/>
+              <a:t>Cube : Hiérarchie de dimensions </a:t>
+            </a:r>
+            <a:endParaRPr lang="fr-FR" dirty="0"/>
+          </a:p>
+          <a:p>
+            <a:pPr marL="285750" indent="-285750">
+              <a:spcBef>
+                <a:spcPts val="300"/>
+              </a:spcBef>
+              <a:spcAft>
+                <a:spcPts val="300"/>
+              </a:spcAft>
+              <a:buFont typeface="Arial" panose="020B0604020202020204" pitchFamily="34" charset="0"/>
+              <a:buChar char="•"/>
+            </a:pPr>
+            <a:r>
+              <a:rPr lang="fr-FR" dirty="0" smtClean="0"/>
+              <a:t>Optimiseur : 2 </a:t>
+            </a:r>
+            <a:r>
+              <a:rPr lang="fr-FR" dirty="0" err="1" smtClean="0"/>
+              <a:t>algos</a:t>
+            </a:r>
+            <a:r>
+              <a:rPr lang="fr-FR" dirty="0" smtClean="0"/>
+              <a:t>, IHM, benchmark des perfs</a:t>
             </a:r>
           </a:p>
           <a:p>
@@ -5251,16 +6557,68 @@
             </a:r>
             <a:r>
               <a:rPr lang="fr-FR" dirty="0" smtClean="0"/>
-              <a:t> : 5’</a:t>
+              <a:t> : 10’</a:t>
             </a:r>
             <a:endParaRPr lang="fr-FR" dirty="0"/>
+          </a:p>
+        </p:txBody>
+      </p:sp>
+      <p:sp>
+        <p:nvSpPr>
+          <p:cNvPr id="7" name="ZoneTexte 6"/>
+          <p:cNvSpPr txBox="1"/>
+          <p:nvPr/>
+        </p:nvSpPr>
+        <p:spPr>
+          <a:xfrm>
+            <a:off x="385769" y="1026280"/>
+            <a:ext cx="1738743" cy="369332"/>
+          </a:xfrm>
+          <a:prstGeom prst="rect">
+            <a:avLst/>
+          </a:prstGeom>
+        </p:spPr>
+        <p:style>
+          <a:lnRef idx="0">
+            <a:schemeClr val="accent5"/>
+          </a:lnRef>
+          <a:fillRef idx="3">
+            <a:schemeClr val="accent5"/>
+          </a:fillRef>
+          <a:effectRef idx="3">
+            <a:schemeClr val="accent5"/>
+          </a:effectRef>
+          <a:fontRef idx="minor">
+            <a:schemeClr val="lt1"/>
+          </a:fontRef>
+        </p:style>
+        <p:txBody>
+          <a:bodyPr wrap="square" rtlCol="0">
+            <a:spAutoFit/>
+          </a:bodyPr>
+          <a:lstStyle/>
+          <a:p>
+            <a:pPr algn="ctr"/>
+            <a:r>
+              <a:rPr lang="fr-FR" dirty="0" smtClean="0">
+                <a:solidFill>
+                  <a:schemeClr val="tx1"/>
+                </a:solidFill>
+              </a:rPr>
+              <a:t>Partie 1</a:t>
+            </a:r>
+            <a:endParaRPr lang="fr-FR" dirty="0">
+              <a:solidFill>
+                <a:schemeClr val="tx1"/>
+              </a:solidFill>
+            </a:endParaRPr>
           </a:p>
         </p:txBody>
       </p:sp>
     </p:spTree>
     <p:extLst>
       <p:ext uri="{BB962C8B-B14F-4D97-AF65-F5344CB8AC3E}">
-        <p14:creationId xmlns:p14="http://schemas.microsoft.com/office/powerpoint/2010/main" val="3514166303"/>
+        <p14:creationId xmlns:p14="http://schemas.microsoft.com/office/powerpoint/2010/main" val="2857133410"/>
       </p:ext>
     </p:extLst>
   </p:cSld>
@@ -5346,14 +6704,14 @@
       </p:sp>
       <p:sp>
         <p:nvSpPr>
-          <p:cNvPr id="6" name="ZoneTexte 5"/>
+          <p:cNvPr id="4" name="ZoneTexte 3"/>
           <p:cNvSpPr txBox="1"/>
           <p:nvPr/>
         </p:nvSpPr>
         <p:spPr>
           <a:xfrm>
-            <a:off x="337952" y="1052736"/>
-            <a:ext cx="1715302" cy="369332"/>
+            <a:off x="295023" y="1124744"/>
+            <a:ext cx="1728191" cy="369332"/>
           </a:xfrm>
           <a:prstGeom prst="rect">
             <a:avLst/>
@@ -5361,13 +6719,13 @@
         </p:spPr>
         <p:style>
           <a:lnRef idx="0">
-            <a:schemeClr val="accent6"/>
+            <a:schemeClr val="accent3"/>
           </a:lnRef>
           <a:fillRef idx="3">
-            <a:schemeClr val="accent6"/>
+            <a:schemeClr val="accent3"/>
           </a:fillRef>
           <a:effectRef idx="3">
-            <a:schemeClr val="accent6"/>
+            <a:schemeClr val="accent3"/>
           </a:effectRef>
           <a:fontRef idx="minor">
             <a:schemeClr val="lt1"/>
@@ -5386,7 +6744,7 @@
                   <a:schemeClr val="tx1"/>
                 </a:solidFill>
               </a:rPr>
-              <a:t>Partie 3</a:t>
+              <a:t>Partie 2</a:t>
             </a:r>
             <a:endParaRPr lang="fr-FR" dirty="0">
               <a:solidFill>
@@ -5398,13 +6756,13 @@
       </p:sp>
       <p:sp>
         <p:nvSpPr>
-          <p:cNvPr id="13" name="Rectangle 12"/>
+          <p:cNvPr id="12" name="Rectangle 11"/>
           <p:cNvSpPr/>
           <p:nvPr/>
         </p:nvSpPr>
         <p:spPr>
           <a:xfrm>
-            <a:off x="2267744" y="1052736"/>
+            <a:off x="2195736" y="1124744"/>
             <a:ext cx="6876256" cy="2139047"/>
           </a:xfrm>
           <a:prstGeom prst="rect">
@@ -5435,8 +6793,9 @@
             </a:r>
             <a:r>
               <a:rPr lang="fr-FR" b="1" dirty="0" smtClean="0"/>
-              <a:t>Brice [Backup : Thomas]</a:t>
-            </a:r>
+              <a:t>Bernard [Backup : Brice]  </a:t>
+            </a:r>
+            <a:endParaRPr lang="fr-FR" dirty="0"/>
           </a:p>
           <a:p>
             <a:pPr>
@@ -5480,7 +6839,7 @@
             </a:pPr>
             <a:r>
               <a:rPr lang="fr-FR" dirty="0" smtClean="0"/>
-              <a:t>SSIS</a:t>
+              <a:t>SSRS – structure, déploiement et rendu des reports</a:t>
             </a:r>
           </a:p>
           <a:p>
@@ -5509,7 +6868,7 @@
             </a:r>
             <a:r>
               <a:rPr lang="fr-FR" dirty="0" smtClean="0"/>
-              <a:t> : 5’ </a:t>
+              <a:t> : 5’</a:t>
             </a:r>
             <a:endParaRPr lang="fr-FR" dirty="0"/>
           </a:p>
@@ -5518,7 +6877,7 @@
     </p:spTree>
     <p:extLst>
       <p:ext uri="{BB962C8B-B14F-4D97-AF65-F5344CB8AC3E}">
-        <p14:creationId xmlns:p14="http://schemas.microsoft.com/office/powerpoint/2010/main" val="240660581"/>
+        <p14:creationId xmlns:p14="http://schemas.microsoft.com/office/powerpoint/2010/main" val="3514166303"/>
       </p:ext>
     </p:extLst>
   </p:cSld>
@@ -5604,6 +6963,264 @@
       </p:sp>
       <p:sp>
         <p:nvSpPr>
+          <p:cNvPr id="6" name="ZoneTexte 5"/>
+          <p:cNvSpPr txBox="1"/>
+          <p:nvPr/>
+        </p:nvSpPr>
+        <p:spPr>
+          <a:xfrm>
+            <a:off x="337952" y="1052736"/>
+            <a:ext cx="1715302" cy="369332"/>
+          </a:xfrm>
+          <a:prstGeom prst="rect">
+            <a:avLst/>
+          </a:prstGeom>
+        </p:spPr>
+        <p:style>
+          <a:lnRef idx="0">
+            <a:schemeClr val="accent6"/>
+          </a:lnRef>
+          <a:fillRef idx="3">
+            <a:schemeClr val="accent6"/>
+          </a:fillRef>
+          <a:effectRef idx="3">
+            <a:schemeClr val="accent6"/>
+          </a:effectRef>
+          <a:fontRef idx="minor">
+            <a:schemeClr val="lt1"/>
+          </a:fontRef>
+        </p:style>
+        <p:txBody>
+          <a:bodyPr wrap="square" rtlCol="0">
+            <a:spAutoFit/>
+          </a:bodyPr>
+          <a:lstStyle/>
+          <a:p>
+            <a:pPr algn="ctr"/>
+            <a:r>
+              <a:rPr lang="fr-FR" dirty="0" smtClean="0">
+                <a:solidFill>
+                  <a:schemeClr val="tx1"/>
+                </a:solidFill>
+              </a:rPr>
+              <a:t>Partie 3</a:t>
+            </a:r>
+            <a:endParaRPr lang="fr-FR" dirty="0">
+              <a:solidFill>
+                <a:schemeClr val="tx1"/>
+              </a:solidFill>
+            </a:endParaRPr>
+          </a:p>
+        </p:txBody>
+      </p:sp>
+      <p:sp>
+        <p:nvSpPr>
+          <p:cNvPr id="13" name="Rectangle 12"/>
+          <p:cNvSpPr/>
+          <p:nvPr/>
+        </p:nvSpPr>
+        <p:spPr>
+          <a:xfrm>
+            <a:off x="2267744" y="1052736"/>
+            <a:ext cx="6876256" cy="2139047"/>
+          </a:xfrm>
+          <a:prstGeom prst="rect">
+            <a:avLst/>
+          </a:prstGeom>
+        </p:spPr>
+        <p:txBody>
+          <a:bodyPr wrap="square">
+            <a:spAutoFit/>
+          </a:bodyPr>
+          <a:lstStyle/>
+          <a:p>
+            <a:pPr>
+              <a:spcBef>
+                <a:spcPts val="300"/>
+              </a:spcBef>
+              <a:spcAft>
+                <a:spcPts val="300"/>
+              </a:spcAft>
+            </a:pPr>
+            <a:r>
+              <a:rPr lang="fr-FR" u="sng" dirty="0" smtClean="0"/>
+              <a:t>Présentateurs</a:t>
+            </a:r>
+            <a:r>
+              <a:rPr lang="fr-FR" dirty="0" smtClean="0"/>
+              <a:t> : </a:t>
+            </a:r>
+            <a:r>
+              <a:rPr lang="fr-FR" b="1" dirty="0" smtClean="0"/>
+              <a:t>Brice [Backup : Thomas]</a:t>
+            </a:r>
+          </a:p>
+          <a:p>
+            <a:pPr>
+              <a:spcBef>
+                <a:spcPts val="300"/>
+              </a:spcBef>
+              <a:spcAft>
+                <a:spcPts val="300"/>
+              </a:spcAft>
+            </a:pPr>
+            <a:endParaRPr lang="fr-FR" dirty="0" smtClean="0"/>
+          </a:p>
+          <a:p>
+            <a:pPr>
+              <a:spcBef>
+                <a:spcPts val="300"/>
+              </a:spcBef>
+              <a:spcAft>
+                <a:spcPts val="300"/>
+              </a:spcAft>
+            </a:pPr>
+            <a:r>
+              <a:rPr lang="fr-FR" u="sng" dirty="0" smtClean="0"/>
+              <a:t>Sujets</a:t>
+            </a:r>
+            <a:r>
+              <a:rPr lang="fr-FR" dirty="0" smtClean="0"/>
+              <a:t> : </a:t>
+            </a:r>
+          </a:p>
+          <a:p>
+            <a:pPr marL="285750" indent="-285750">
+              <a:spcBef>
+                <a:spcPts val="300"/>
+              </a:spcBef>
+              <a:spcAft>
+                <a:spcPts val="300"/>
+              </a:spcAft>
+              <a:buFont typeface="Arial" panose="020B0604020202020204" pitchFamily="34" charset="0"/>
+              <a:buChar char="•"/>
+            </a:pPr>
+            <a:r>
+              <a:rPr lang="fr-FR" dirty="0" smtClean="0"/>
+              <a:t>SSIS</a:t>
+            </a:r>
+          </a:p>
+          <a:p>
+            <a:pPr>
+              <a:spcBef>
+                <a:spcPts val="300"/>
+              </a:spcBef>
+              <a:spcAft>
+                <a:spcPts val="300"/>
+              </a:spcAft>
+            </a:pPr>
+            <a:endParaRPr lang="fr-FR" dirty="0"/>
+          </a:p>
+          <a:p>
+            <a:pPr>
+              <a:spcBef>
+                <a:spcPts val="300"/>
+              </a:spcBef>
+              <a:spcAft>
+                <a:spcPts val="300"/>
+              </a:spcAft>
+            </a:pPr>
+            <a:r>
+              <a:rPr lang="fr-FR" u="sng" dirty="0" smtClean="0"/>
+              <a:t>Temps</a:t>
+            </a:r>
+            <a:r>
+              <a:rPr lang="fr-FR" dirty="0" smtClean="0"/>
+              <a:t> : 5’ </a:t>
+            </a:r>
+            <a:endParaRPr lang="fr-FR" dirty="0"/>
+          </a:p>
+        </p:txBody>
+      </p:sp>
+    </p:spTree>
+    <p:extLst>
+      <p:ext uri="{BB962C8B-B14F-4D97-AF65-F5344CB8AC3E}">
+        <p14:creationId xmlns:p14="http://schemas.microsoft.com/office/powerpoint/2010/main" val="240660581"/>
+      </p:ext>
+    </p:extLst>
+  </p:cSld>
+  <p:clrMapOvr>
+    <a:masterClrMapping/>
+  </p:clrMapOvr>
+  <mc:AlternateContent xmlns:mc="http://schemas.openxmlformats.org/markup-compatibility/2006" xmlns:p14="http://schemas.microsoft.com/office/powerpoint/2010/main">
+    <mc:Choice Requires="p14">
+      <p:transition spd="slow" p14:dur="2000"/>
+    </mc:Choice>
+    <mc:Fallback xmlns="">
+      <p:transition spd="slow"/>
+    </mc:Fallback>
+  </mc:AlternateContent>
+  <p:timing>
+    <p:tnLst>
+      <p:par>
+        <p:cTn id="1" dur="indefinite" restart="never" nodeType="tmRoot"/>
+      </p:par>
+    </p:tnLst>
+  </p:timing>
+</p:sld>
+</file>
+
+<file path=ppt/slides/slide13.xml><?xml version="1.0" encoding="utf-8"?>
+<p:sld xmlns:a="http://schemas.openxmlformats.org/drawingml/2006/main" xmlns:r="http://schemas.openxmlformats.org/officeDocument/2006/relationships" xmlns:p="http://schemas.openxmlformats.org/presentationml/2006/main" show="0">
+  <p:cSld>
+    <p:spTree>
+      <p:nvGrpSpPr>
+        <p:cNvPr id="1" name=""/>
+        <p:cNvGrpSpPr/>
+        <p:nvPr/>
+      </p:nvGrpSpPr>
+      <p:grpSpPr>
+        <a:xfrm>
+          <a:off x="0" y="0"/>
+          <a:ext cx="0" cy="0"/>
+          <a:chOff x="0" y="0"/>
+          <a:chExt cx="0" cy="0"/>
+        </a:xfrm>
+      </p:grpSpPr>
+      <p:sp>
+        <p:nvSpPr>
+          <p:cNvPr id="3" name="ZoneTexte 2"/>
+          <p:cNvSpPr txBox="1"/>
+          <p:nvPr/>
+        </p:nvSpPr>
+        <p:spPr>
+          <a:xfrm>
+            <a:off x="107504" y="107340"/>
+            <a:ext cx="1645194" cy="369332"/>
+          </a:xfrm>
+          <a:prstGeom prst="rect">
+            <a:avLst/>
+          </a:prstGeom>
+        </p:spPr>
+        <p:style>
+          <a:lnRef idx="0">
+            <a:schemeClr val="accent1"/>
+          </a:lnRef>
+          <a:fillRef idx="3">
+            <a:schemeClr val="accent1"/>
+          </a:fillRef>
+          <a:effectRef idx="3">
+            <a:schemeClr val="accent1"/>
+          </a:effectRef>
+          <a:fontRef idx="minor">
+            <a:schemeClr val="lt1"/>
+          </a:fontRef>
+        </p:style>
+        <p:txBody>
+          <a:bodyPr wrap="none" rtlCol="0">
+            <a:spAutoFit/>
+          </a:bodyPr>
+          <a:lstStyle/>
+          <a:p>
+            <a:r>
+              <a:rPr lang="fr-FR" dirty="0" smtClean="0"/>
+              <a:t>Démonstration </a:t>
+            </a:r>
+          </a:p>
+        </p:txBody>
+      </p:sp>
+      <p:sp>
+        <p:nvSpPr>
           <p:cNvPr id="16" name="ZoneTexte 15"/>
           <p:cNvSpPr txBox="1"/>
           <p:nvPr/>
@@ -5810,7 +7427,7 @@
 </p:sld>
 </file>
 
-<file path=ppt/slides/slide13.xml><?xml version="1.0" encoding="utf-8"?>
+<file path=ppt/slides/slide14.xml><?xml version="1.0" encoding="utf-8"?>
 <p:sld xmlns:a="http://schemas.openxmlformats.org/drawingml/2006/main" xmlns:r="http://schemas.openxmlformats.org/officeDocument/2006/relationships" xmlns:p="http://schemas.openxmlformats.org/presentationml/2006/main">
   <p:cSld>
     <p:spTree>
@@ -5932,7 +7549,7 @@
 </p:sld>
 </file>
 
-<file path=ppt/slides/slide14.xml><?xml version="1.0" encoding="utf-8"?>
+<file path=ppt/slides/slide15.xml><?xml version="1.0" encoding="utf-8"?>
 <p:sld xmlns:a="http://schemas.openxmlformats.org/drawingml/2006/main" xmlns:r="http://schemas.openxmlformats.org/officeDocument/2006/relationships" xmlns:p="http://schemas.openxmlformats.org/presentationml/2006/main">
   <p:cSld>
     <p:spTree>
@@ -6096,6 +7713,141 @@
   <p:clrMapOvr>
     <a:masterClrMapping/>
   </p:clrMapOvr>
+  <p:timing>
+    <p:tnLst>
+      <p:par>
+        <p:cTn id="1" dur="indefinite" restart="never" nodeType="tmRoot"/>
+      </p:par>
+    </p:tnLst>
+  </p:timing>
+</p:sld>
+</file>
+
+<file path=ppt/slides/slide16.xml><?xml version="1.0" encoding="utf-8"?>
+<p:sld xmlns:a="http://schemas.openxmlformats.org/drawingml/2006/main" xmlns:r="http://schemas.openxmlformats.org/officeDocument/2006/relationships" xmlns:p="http://schemas.openxmlformats.org/presentationml/2006/main" show="0">
+  <p:cSld>
+    <p:spTree>
+      <p:nvGrpSpPr>
+        <p:cNvPr id="1" name=""/>
+        <p:cNvGrpSpPr/>
+        <p:nvPr/>
+      </p:nvGrpSpPr>
+      <p:grpSpPr>
+        <a:xfrm>
+          <a:off x="0" y="0"/>
+          <a:ext cx="0" cy="0"/>
+          <a:chOff x="0" y="0"/>
+          <a:chExt cx="0" cy="0"/>
+        </a:xfrm>
+      </p:grpSpPr>
+      <p:sp>
+        <p:nvSpPr>
+          <p:cNvPr id="3" name="ZoneTexte 2"/>
+          <p:cNvSpPr txBox="1"/>
+          <p:nvPr/>
+        </p:nvSpPr>
+        <p:spPr>
+          <a:xfrm>
+            <a:off x="107504" y="107340"/>
+            <a:ext cx="3757247" cy="369332"/>
+          </a:xfrm>
+          <a:prstGeom prst="rect">
+            <a:avLst/>
+          </a:prstGeom>
+        </p:spPr>
+        <p:style>
+          <a:lnRef idx="0">
+            <a:schemeClr val="accent1"/>
+          </a:lnRef>
+          <a:fillRef idx="3">
+            <a:schemeClr val="accent1"/>
+          </a:fillRef>
+          <a:effectRef idx="3">
+            <a:schemeClr val="accent1"/>
+          </a:effectRef>
+          <a:fontRef idx="minor">
+            <a:schemeClr val="lt1"/>
+          </a:fontRef>
+        </p:style>
+        <p:txBody>
+          <a:bodyPr wrap="none" rtlCol="0">
+            <a:spAutoFit/>
+          </a:bodyPr>
+          <a:lstStyle/>
+          <a:p>
+            <a:r>
+              <a:rPr lang="fr-FR" dirty="0" smtClean="0"/>
+              <a:t>Annexe : Benchmarks de performance</a:t>
+            </a:r>
+          </a:p>
+        </p:txBody>
+      </p:sp>
+      <p:graphicFrame>
+        <p:nvGraphicFramePr>
+          <p:cNvPr id="5" name="Graphique 4"/>
+          <p:cNvGraphicFramePr>
+            <a:graphicFrameLocks/>
+          </p:cNvGraphicFramePr>
+          <p:nvPr>
+            <p:extLst>
+              <p:ext uri="{D42A27DB-BD31-4B8C-83A1-F6EECF244321}">
+                <p14:modId xmlns:p14="http://schemas.microsoft.com/office/powerpoint/2010/main" val="587414362"/>
+              </p:ext>
+            </p:extLst>
+          </p:nvPr>
+        </p:nvGraphicFramePr>
+        <p:xfrm>
+          <a:off x="971600" y="692696"/>
+          <a:ext cx="7114274" cy="3824105"/>
+        </p:xfrm>
+        <a:graphic>
+          <a:graphicData uri="http://schemas.openxmlformats.org/drawingml/2006/chart">
+            <c:chart xmlns:c="http://schemas.openxmlformats.org/drawingml/2006/chart" xmlns:r="http://schemas.openxmlformats.org/officeDocument/2006/relationships" r:id="rId3"/>
+          </a:graphicData>
+        </a:graphic>
+      </p:graphicFrame>
+      <p:pic>
+        <p:nvPicPr>
+          <p:cNvPr id="6" name="Image 5"/>
+          <p:cNvPicPr>
+            <a:picLocks noChangeAspect="1"/>
+          </p:cNvPicPr>
+          <p:nvPr/>
+        </p:nvPicPr>
+        <p:blipFill>
+          <a:blip r:embed="rId4"/>
+          <a:stretch>
+            <a:fillRect/>
+          </a:stretch>
+        </p:blipFill>
+        <p:spPr>
+          <a:xfrm>
+            <a:off x="611560" y="4869160"/>
+            <a:ext cx="7130305" cy="937872"/>
+          </a:xfrm>
+          <a:prstGeom prst="rect">
+            <a:avLst/>
+          </a:prstGeom>
+        </p:spPr>
+      </p:pic>
+    </p:spTree>
+    <p:extLst>
+      <p:ext uri="{BB962C8B-B14F-4D97-AF65-F5344CB8AC3E}">
+        <p14:creationId xmlns:p14="http://schemas.microsoft.com/office/powerpoint/2010/main" val="889174426"/>
+      </p:ext>
+    </p:extLst>
+  </p:cSld>
+  <p:clrMapOvr>
+    <a:masterClrMapping/>
+  </p:clrMapOvr>
+  <mc:AlternateContent xmlns:mc="http://schemas.openxmlformats.org/markup-compatibility/2006" xmlns:p14="http://schemas.microsoft.com/office/powerpoint/2010/main">
+    <mc:Choice Requires="p14">
+      <p:transition spd="slow" p14:dur="2000"/>
+    </mc:Choice>
+    <mc:Fallback xmlns="">
+      <p:transition spd="slow"/>
+    </mc:Fallback>
+  </mc:AlternateContent>
   <p:timing>
     <p:tnLst>
       <p:par>
@@ -6174,7 +7926,7 @@
         </p:nvSpPr>
         <p:spPr>
           <a:xfrm>
-            <a:off x="3212664" y="1500983"/>
+            <a:off x="3204952" y="3726174"/>
             <a:ext cx="2934639" cy="369332"/>
           </a:xfrm>
           <a:prstGeom prst="rect">
@@ -6228,8 +7980,61 @@
         </p:nvSpPr>
         <p:spPr>
           <a:xfrm>
-            <a:off x="3212664" y="4053452"/>
+            <a:off x="3204952" y="4559384"/>
             <a:ext cx="2934639" cy="369332"/>
+          </a:xfrm>
+          <a:prstGeom prst="rect">
+            <a:avLst/>
+          </a:prstGeom>
+        </p:spPr>
+        <p:style>
+          <a:lnRef idx="0">
+            <a:schemeClr val="accent3"/>
+          </a:lnRef>
+          <a:fillRef idx="3">
+            <a:schemeClr val="accent3"/>
+          </a:fillRef>
+          <a:effectRef idx="3">
+            <a:schemeClr val="accent3"/>
+          </a:effectRef>
+          <a:fontRef idx="minor">
+            <a:schemeClr val="lt1"/>
+          </a:fontRef>
+        </p:style>
+        <p:txBody>
+          <a:bodyPr wrap="square" rtlCol="0">
+            <a:spAutoFit/>
+          </a:bodyPr>
+          <a:lstStyle>
+            <a:defPPr>
+              <a:defRPr lang="fr-FR"/>
+            </a:defPPr>
+            <a:lvl1pPr algn="ctr">
+              <a:defRPr>
+                <a:solidFill>
+                  <a:schemeClr val="tx1"/>
+                </a:solidFill>
+              </a:defRPr>
+            </a:lvl1pPr>
+          </a:lstStyle>
+          <a:p>
+            <a:r>
+              <a:rPr lang="fr-FR" dirty="0"/>
+              <a:t>Implémentation technique</a:t>
+            </a:r>
+          </a:p>
+        </p:txBody>
+      </p:sp>
+      <p:sp>
+        <p:nvSpPr>
+          <p:cNvPr id="7" name="ZoneTexte 6"/>
+          <p:cNvSpPr txBox="1"/>
+          <p:nvPr/>
+        </p:nvSpPr>
+        <p:spPr>
+          <a:xfrm>
+            <a:off x="3206264" y="1973078"/>
+            <a:ext cx="2932015" cy="369332"/>
           </a:xfrm>
           <a:prstGeom prst="rect">
             <a:avLst/>
@@ -6262,7 +8067,7 @@
                   <a:schemeClr val="tx1"/>
                 </a:solidFill>
               </a:rPr>
-              <a:t>Implémentation technique</a:t>
+              <a:t>Organisation</a:t>
             </a:r>
             <a:endParaRPr lang="fr-FR" dirty="0">
               <a:solidFill>
@@ -6274,14 +8079,14 @@
       </p:sp>
       <p:sp>
         <p:nvSpPr>
-          <p:cNvPr id="7" name="ZoneTexte 6"/>
+          <p:cNvPr id="9" name="ZoneTexte 8"/>
           <p:cNvSpPr txBox="1"/>
           <p:nvPr/>
         </p:nvSpPr>
         <p:spPr>
           <a:xfrm>
-            <a:off x="3213976" y="2354702"/>
-            <a:ext cx="2932015" cy="369332"/>
+            <a:off x="3213976" y="2849626"/>
+            <a:ext cx="2916591" cy="369332"/>
           </a:xfrm>
           <a:prstGeom prst="rect">
             <a:avLst/>
@@ -6314,7 +8119,7 @@
                   <a:schemeClr val="tx1"/>
                 </a:solidFill>
               </a:rPr>
-              <a:t>Organisation du projet</a:t>
+              <a:t>Livrables</a:t>
             </a:r>
             <a:endParaRPr lang="fr-FR" dirty="0">
               <a:solidFill>
@@ -6326,65 +8131,13 @@
       </p:sp>
       <p:sp>
         <p:nvSpPr>
-          <p:cNvPr id="9" name="ZoneTexte 8"/>
-          <p:cNvSpPr txBox="1"/>
-          <p:nvPr/>
-        </p:nvSpPr>
-        <p:spPr>
-          <a:xfrm>
-            <a:off x="3221688" y="3214747"/>
-            <a:ext cx="2916591" cy="369332"/>
-          </a:xfrm>
-          <a:prstGeom prst="rect">
-            <a:avLst/>
-          </a:prstGeom>
-        </p:spPr>
-        <p:style>
-          <a:lnRef idx="0">
-            <a:schemeClr val="accent5"/>
-          </a:lnRef>
-          <a:fillRef idx="3">
-            <a:schemeClr val="accent5"/>
-          </a:fillRef>
-          <a:effectRef idx="3">
-            <a:schemeClr val="accent5"/>
-          </a:effectRef>
-          <a:fontRef idx="minor">
-            <a:schemeClr val="lt1"/>
-          </a:fontRef>
-        </p:style>
-        <p:txBody>
-          <a:bodyPr wrap="square" rtlCol="0">
-            <a:spAutoFit/>
-          </a:bodyPr>
-          <a:lstStyle/>
-          <a:p>
-            <a:pPr algn="ctr"/>
-            <a:r>
-              <a:rPr lang="fr-FR" dirty="0" smtClean="0">
-                <a:solidFill>
-                  <a:schemeClr val="tx1"/>
-                </a:solidFill>
-              </a:rPr>
-              <a:t>Livrables</a:t>
-            </a:r>
-            <a:endParaRPr lang="fr-FR" dirty="0">
-              <a:solidFill>
-                <a:schemeClr val="tx1"/>
-              </a:solidFill>
-            </a:endParaRPr>
-          </a:p>
-        </p:txBody>
-      </p:sp>
-      <p:sp>
-        <p:nvSpPr>
           <p:cNvPr id="10" name="ZoneTexte 9"/>
           <p:cNvSpPr txBox="1"/>
           <p:nvPr/>
         </p:nvSpPr>
         <p:spPr>
           <a:xfrm>
-            <a:off x="3219694" y="4930000"/>
+            <a:off x="3211982" y="5435932"/>
             <a:ext cx="2920578" cy="369332"/>
           </a:xfrm>
           <a:prstGeom prst="rect">
@@ -6430,14 +8183,99 @@
       </p:sp>
       <p:cxnSp>
         <p:nvCxnSpPr>
-          <p:cNvPr id="13" name="Connecteur droit avec flèche 12"/>
+          <p:cNvPr id="36" name="Connecteur droit avec flèche 35"/>
           <p:cNvCxnSpPr/>
           <p:nvPr/>
         </p:nvCxnSpPr>
         <p:spPr>
           <a:xfrm>
-            <a:off x="4679983" y="3584079"/>
-            <a:ext cx="0" cy="469373"/>
+            <a:off x="4668415" y="4928716"/>
+            <a:ext cx="7712" cy="507216"/>
+          </a:xfrm>
+          <a:prstGeom prst="straightConnector1">
+            <a:avLst/>
+          </a:prstGeom>
+          <a:ln>
+            <a:tailEnd type="arrow"/>
+          </a:ln>
+        </p:spPr>
+        <p:style>
+          <a:lnRef idx="2">
+            <a:schemeClr val="accent2"/>
+          </a:lnRef>
+          <a:fillRef idx="0">
+            <a:schemeClr val="accent2"/>
+          </a:fillRef>
+          <a:effectRef idx="1">
+            <a:schemeClr val="accent2"/>
+          </a:effectRef>
+          <a:fontRef idx="minor">
+            <a:schemeClr val="tx1"/>
+          </a:fontRef>
+        </p:style>
+      </p:cxnSp>
+      <p:sp>
+        <p:nvSpPr>
+          <p:cNvPr id="12" name="ZoneTexte 11"/>
+          <p:cNvSpPr txBox="1"/>
+          <p:nvPr/>
+        </p:nvSpPr>
+        <p:spPr>
+          <a:xfrm>
+            <a:off x="3211982" y="1045320"/>
+            <a:ext cx="2920578" cy="369332"/>
+          </a:xfrm>
+          <a:prstGeom prst="rect">
+            <a:avLst/>
+          </a:prstGeom>
+        </p:spPr>
+        <p:style>
+          <a:lnRef idx="0">
+            <a:schemeClr val="accent6"/>
+          </a:lnRef>
+          <a:fillRef idx="3">
+            <a:schemeClr val="accent6"/>
+          </a:fillRef>
+          <a:effectRef idx="3">
+            <a:schemeClr val="accent6"/>
+          </a:effectRef>
+          <a:fontRef idx="minor">
+            <a:schemeClr val="lt1"/>
+          </a:fontRef>
+        </p:style>
+        <p:txBody>
+          <a:bodyPr wrap="square" rtlCol="0">
+            <a:spAutoFit/>
+          </a:bodyPr>
+          <a:lstStyle/>
+          <a:p>
+            <a:pPr algn="ctr"/>
+            <a:r>
+              <a:rPr lang="fr-FR" dirty="0" smtClean="0">
+                <a:solidFill>
+                  <a:schemeClr val="tx1"/>
+                </a:solidFill>
+              </a:rPr>
+              <a:t>Vue d’ensemble</a:t>
+            </a:r>
+            <a:endParaRPr lang="fr-FR" dirty="0">
+              <a:solidFill>
+                <a:schemeClr val="tx1"/>
+              </a:solidFill>
+            </a:endParaRPr>
+          </a:p>
+        </p:txBody>
+      </p:sp>
+      <p:cxnSp>
+        <p:nvCxnSpPr>
+          <p:cNvPr id="14" name="Connecteur droit avec flèche 13"/>
+          <p:cNvCxnSpPr/>
+          <p:nvPr/>
+        </p:nvCxnSpPr>
+        <p:spPr>
+          <a:xfrm>
+            <a:off x="4672271" y="4095506"/>
+            <a:ext cx="0" cy="463878"/>
           </a:xfrm>
           <a:prstGeom prst="straightConnector1">
             <a:avLst/>
@@ -6463,14 +8301,14 @@
       </p:cxnSp>
       <p:cxnSp>
         <p:nvCxnSpPr>
-          <p:cNvPr id="32" name="Connecteur droit avec flèche 31"/>
+          <p:cNvPr id="15" name="Connecteur droit avec flèche 14"/>
           <p:cNvCxnSpPr/>
           <p:nvPr/>
         </p:nvCxnSpPr>
         <p:spPr>
           <a:xfrm>
-            <a:off x="4679983" y="2724034"/>
-            <a:ext cx="0" cy="490713"/>
+            <a:off x="4672271" y="3218958"/>
+            <a:ext cx="0" cy="507216"/>
           </a:xfrm>
           <a:prstGeom prst="straightConnector1">
             <a:avLst/>
@@ -6496,14 +8334,14 @@
       </p:cxnSp>
       <p:cxnSp>
         <p:nvCxnSpPr>
-          <p:cNvPr id="35" name="Connecteur droit avec flèche 34"/>
+          <p:cNvPr id="16" name="Connecteur droit avec flèche 15"/>
           <p:cNvCxnSpPr/>
           <p:nvPr/>
         </p:nvCxnSpPr>
         <p:spPr>
           <a:xfrm>
-            <a:off x="4679983" y="1870315"/>
-            <a:ext cx="0" cy="484387"/>
+            <a:off x="4672271" y="2342410"/>
+            <a:ext cx="0" cy="507216"/>
           </a:xfrm>
           <a:prstGeom prst="straightConnector1">
             <a:avLst/>
@@ -6529,14 +8367,14 @@
       </p:cxnSp>
       <p:cxnSp>
         <p:nvCxnSpPr>
-          <p:cNvPr id="36" name="Connecteur droit avec flèche 35"/>
+          <p:cNvPr id="17" name="Connecteur droit avec flèche 16"/>
           <p:cNvCxnSpPr/>
           <p:nvPr/>
         </p:nvCxnSpPr>
         <p:spPr>
-          <a:xfrm flipH="1">
-            <a:off x="4679983" y="4422784"/>
-            <a:ext cx="1" cy="507216"/>
+          <a:xfrm>
+            <a:off x="4672271" y="1414652"/>
+            <a:ext cx="1" cy="558426"/>
           </a:xfrm>
           <a:prstGeom prst="straightConnector1">
             <a:avLst/>
@@ -6597,6 +8435,47 @@
           <a:chExt cx="0" cy="0"/>
         </a:xfrm>
       </p:grpSpPr>
+      <p:pic>
+        <p:nvPicPr>
+          <p:cNvPr id="1026" name="Picture 2" descr="Afficher l'image d'origine"/>
+          <p:cNvPicPr>
+            <a:picLocks noChangeAspect="1" noChangeArrowheads="1"/>
+          </p:cNvPicPr>
+          <p:nvPr/>
+        </p:nvPicPr>
+        <p:blipFill>
+          <a:blip r:embed="rId3">
+            <a:extLst>
+              <a:ext uri="{28A0092B-C50C-407E-A947-70E740481C1C}">
+                <a14:useLocalDpi xmlns:a14="http://schemas.microsoft.com/office/drawing/2010/main" val="0"/>
+              </a:ext>
+            </a:extLst>
+          </a:blip>
+          <a:srcRect/>
+          <a:stretch>
+            <a:fillRect/>
+          </a:stretch>
+        </p:blipFill>
+        <p:spPr bwMode="auto">
+          <a:xfrm>
+            <a:off x="3177728" y="692696"/>
+            <a:ext cx="3076575" cy="2305050"/>
+          </a:xfrm>
+          <a:prstGeom prst="rect">
+            <a:avLst/>
+          </a:prstGeom>
+          <a:noFill/>
+          <a:extLst>
+            <a:ext uri="{909E8E84-426E-40DD-AFC4-6F175D3DCCD1}">
+              <a14:hiddenFill xmlns:a14="http://schemas.microsoft.com/office/drawing/2010/main">
+                <a:solidFill>
+                  <a:srgbClr val="FFFFFF"/>
+                </a:solidFill>
+              </a14:hiddenFill>
+            </a:ext>
+          </a:extLst>
+        </p:spPr>
+      </p:pic>
       <p:sp>
         <p:nvSpPr>
           <p:cNvPr id="5" name="ZoneTexte 4"/>
@@ -6606,7 +8485,7 @@
         <p:spPr>
           <a:xfrm>
             <a:off x="107504" y="107340"/>
-            <a:ext cx="1994392" cy="369332"/>
+            <a:ext cx="1680717" cy="369332"/>
           </a:xfrm>
           <a:prstGeom prst="rect">
             <a:avLst/>
@@ -6634,7 +8513,7 @@
           <a:p>
             <a:r>
               <a:rPr lang="fr-FR" dirty="0" smtClean="0"/>
-              <a:t>Organisation projet</a:t>
+              <a:t>Vue d’ensemble</a:t>
             </a:r>
             <a:endParaRPr lang="fr-FR" dirty="0"/>
           </a:p>
@@ -6681,8 +8560,8 @@
         </p:nvSpPr>
         <p:spPr>
           <a:xfrm>
-            <a:off x="395536" y="870098"/>
-            <a:ext cx="8640960" cy="5147563"/>
+            <a:off x="395536" y="764704"/>
+            <a:ext cx="8640960" cy="4655121"/>
           </a:xfrm>
           <a:prstGeom prst="rect">
             <a:avLst/>
@@ -6693,6 +8572,27 @@
             <a:spAutoFit/>
           </a:bodyPr>
           <a:lstStyle/>
+          <a:p>
+            <a:pPr marL="285750" indent="-285750">
+              <a:spcBef>
+                <a:spcPts val="300"/>
+              </a:spcBef>
+              <a:spcAft>
+                <a:spcPts val="300"/>
+              </a:spcAft>
+              <a:buFont typeface="Wingdings" panose="05000000000000000000" pitchFamily="2" charset="2"/>
+              <a:buChar char="q"/>
+            </a:pPr>
+            <a:r>
+              <a:rPr lang="fr-FR" b="1" i="1" dirty="0"/>
+              <a:t>But du projet : </a:t>
+            </a:r>
+            <a:r>
+              <a:rPr lang="fr-FR" i="1" dirty="0" smtClean="0"/>
+              <a:t>Réaliser une chaine décisionnelle complète, des fichiers à intégrer jusqu’aux reports, basée sur la suite SQL SERVER 2014 de Microsoft</a:t>
+            </a:r>
+            <a:endParaRPr lang="fr-FR" b="1" i="1" dirty="0"/>
+          </a:p>
           <a:p>
             <a:pPr>
               <a:spcBef>
@@ -6702,18 +8602,18 @@
                 <a:spcPts val="300"/>
               </a:spcAft>
             </a:pPr>
-            <a:r>
-              <a:rPr lang="fr-FR" dirty="0" smtClean="0"/>
-              <a:t>Compte tenu du nombre important de fonctionnalités voulant être mises en place dans le cadre de ce projet, notre choix de méthodologie peut se rapprocher d’une </a:t>
-            </a:r>
-            <a:r>
-              <a:rPr lang="fr-FR" b="1" i="1" dirty="0" smtClean="0"/>
-              <a:t>méthodologie SCRUM light</a:t>
-            </a:r>
-            <a:r>
-              <a:rPr lang="fr-FR" dirty="0" smtClean="0"/>
-              <a:t>. Celle-ci se traduit par :</a:t>
-            </a:r>
+            <a:endParaRPr lang="fr-FR" dirty="0" smtClean="0"/>
+          </a:p>
+          <a:p>
+            <a:pPr>
+              <a:spcBef>
+                <a:spcPts val="300"/>
+              </a:spcBef>
+              <a:spcAft>
+                <a:spcPts val="300"/>
+              </a:spcAft>
+            </a:pPr>
+            <a:endParaRPr lang="fr-FR" dirty="0" smtClean="0"/>
           </a:p>
           <a:p>
             <a:pPr>
@@ -6739,16 +8639,45 @@
             </a:pPr>
             <a:r>
               <a:rPr lang="fr-FR" b="1" i="1" dirty="0" smtClean="0"/>
-              <a:t>Utilisation d’une plateforme commune </a:t>
-            </a:r>
-            <a:r>
-              <a:rPr lang="fr-FR" b="1" i="1" dirty="0" err="1" smtClean="0"/>
-              <a:t>GitHub</a:t>
-            </a:r>
-            <a:r>
-              <a:rPr lang="fr-FR" dirty="0" smtClean="0"/>
-              <a:t> pour le stockage de tous les documents projets (Code source, documents de suivi, documentation, documents de travail, tutorial…)</a:t>
-            </a:r>
+              <a:t>Optimiseur : </a:t>
+            </a:r>
+            <a:r>
+              <a:rPr lang="fr-FR" i="1" dirty="0" smtClean="0"/>
+              <a:t>Développement d’un programme en C# qui calcule automatiquement les meilleurs agrégats (pré-calculs de sommes, enregistrés sur disque-dur) au lieu d’être sommées à la volée à l’affichage des reports</a:t>
+            </a:r>
+          </a:p>
+          <a:p>
+            <a:pPr>
+              <a:spcBef>
+                <a:spcPts val="600"/>
+              </a:spcBef>
+              <a:spcAft>
+                <a:spcPts val="600"/>
+              </a:spcAft>
+            </a:pPr>
+            <a:endParaRPr lang="fr-FR" b="1" i="1" dirty="0" smtClean="0"/>
+          </a:p>
+          <a:p>
+            <a:pPr>
+              <a:spcBef>
+                <a:spcPts val="600"/>
+              </a:spcBef>
+              <a:spcAft>
+                <a:spcPts val="600"/>
+              </a:spcAft>
+            </a:pPr>
+            <a:endParaRPr lang="fr-FR" b="1" i="1" dirty="0" smtClean="0"/>
+          </a:p>
+          <a:p>
+            <a:pPr>
+              <a:spcBef>
+                <a:spcPts val="600"/>
+              </a:spcBef>
+              <a:spcAft>
+                <a:spcPts val="600"/>
+              </a:spcAft>
+            </a:pPr>
+            <a:endParaRPr lang="fr-FR" b="1" i="1" dirty="0" smtClean="0"/>
           </a:p>
           <a:p>
             <a:pPr marL="285750" indent="-285750">
@@ -6763,142 +8692,339 @@
             </a:pPr>
             <a:r>
               <a:rPr lang="fr-FR" b="1" i="1" dirty="0" smtClean="0"/>
-              <a:t>Réunion équipe </a:t>
-            </a:r>
-            <a:r>
-              <a:rPr lang="fr-FR" b="1" i="1" dirty="0" err="1" smtClean="0"/>
-              <a:t>bi-hebdomadaire</a:t>
-            </a:r>
-            <a:r>
-              <a:rPr lang="fr-FR" b="1" i="1" dirty="0" smtClean="0"/>
-              <a:t> </a:t>
-            </a:r>
+              <a:t>Projet « opérationnel » de A à Z </a:t>
+            </a:r>
+            <a:r>
+              <a:rPr lang="fr-FR" i="1" dirty="0" smtClean="0"/>
+              <a:t>: Les livrables peuvent être utilisés « tel quels » pour réaliser un démonstrateur </a:t>
+            </a:r>
+            <a:r>
+              <a:rPr lang="fr-FR" i="1" dirty="0"/>
+              <a:t>en entreprise </a:t>
+            </a:r>
+            <a:r>
+              <a:rPr lang="fr-FR" i="1" dirty="0" smtClean="0"/>
+              <a:t>de la suite décisionnelle SQL SERVER.</a:t>
+            </a:r>
+            <a:endParaRPr lang="fr-FR" dirty="0" smtClean="0"/>
+          </a:p>
+        </p:txBody>
+      </p:sp>
+      <p:pic>
+        <p:nvPicPr>
+          <p:cNvPr id="1028" name="Picture 4" descr="Afficher l'image d'origine"/>
+          <p:cNvPicPr>
+            <a:picLocks noChangeAspect="1" noChangeArrowheads="1"/>
+          </p:cNvPicPr>
+          <p:nvPr/>
+        </p:nvPicPr>
+        <p:blipFill>
+          <a:blip r:embed="rId4">
+            <a:extLst>
+              <a:ext uri="{28A0092B-C50C-407E-A947-70E740481C1C}">
+                <a14:useLocalDpi xmlns:a14="http://schemas.microsoft.com/office/drawing/2010/main" val="0"/>
+              </a:ext>
+            </a:extLst>
+          </a:blip>
+          <a:srcRect/>
+          <a:stretch>
+            <a:fillRect/>
+          </a:stretch>
+        </p:blipFill>
+        <p:spPr bwMode="auto">
+          <a:xfrm>
+            <a:off x="3373983" y="3645024"/>
+            <a:ext cx="2880320" cy="536335"/>
+          </a:xfrm>
+          <a:prstGeom prst="rect">
+            <a:avLst/>
+          </a:prstGeom>
+          <a:noFill/>
+          <a:extLst>
+            <a:ext uri="{909E8E84-426E-40DD-AFC4-6F175D3DCCD1}">
+              <a14:hiddenFill xmlns:a14="http://schemas.microsoft.com/office/drawing/2010/main">
+                <a:solidFill>
+                  <a:srgbClr val="FFFFFF"/>
+                </a:solidFill>
+              </a14:hiddenFill>
+            </a:ext>
+          </a:extLst>
+        </p:spPr>
+      </p:pic>
+    </p:spTree>
+    <p:extLst>
+      <p:ext uri="{BB962C8B-B14F-4D97-AF65-F5344CB8AC3E}">
+        <p14:creationId xmlns:p14="http://schemas.microsoft.com/office/powerpoint/2010/main" val="1509461054"/>
+      </p:ext>
+    </p:extLst>
+  </p:cSld>
+  <p:clrMapOvr>
+    <a:masterClrMapping/>
+  </p:clrMapOvr>
+  <p:timing>
+    <p:tnLst>
+      <p:par>
+        <p:cTn id="1" dur="indefinite" restart="never" nodeType="tmRoot"/>
+      </p:par>
+    </p:tnLst>
+  </p:timing>
+</p:sld>
+</file>
+
+<file path=ppt/slides/slide4.xml><?xml version="1.0" encoding="utf-8"?>
+<p:sld xmlns:a="http://schemas.openxmlformats.org/drawingml/2006/main" xmlns:r="http://schemas.openxmlformats.org/officeDocument/2006/relationships" xmlns:p="http://schemas.openxmlformats.org/presentationml/2006/main">
+  <p:cSld>
+    <p:spTree>
+      <p:nvGrpSpPr>
+        <p:cNvPr id="1" name=""/>
+        <p:cNvGrpSpPr/>
+        <p:nvPr/>
+      </p:nvGrpSpPr>
+      <p:grpSpPr>
+        <a:xfrm>
+          <a:off x="0" y="0"/>
+          <a:ext cx="0" cy="0"/>
+          <a:chOff x="0" y="0"/>
+          <a:chExt cx="0" cy="0"/>
+        </a:xfrm>
+      </p:grpSpPr>
+      <p:sp>
+        <p:nvSpPr>
+          <p:cNvPr id="5" name="ZoneTexte 4"/>
+          <p:cNvSpPr txBox="1"/>
+          <p:nvPr/>
+        </p:nvSpPr>
+        <p:spPr>
+          <a:xfrm>
+            <a:off x="107504" y="107340"/>
+            <a:ext cx="1375761" cy="369332"/>
+          </a:xfrm>
+          <a:prstGeom prst="rect">
+            <a:avLst/>
+          </a:prstGeom>
+        </p:spPr>
+        <p:style>
+          <a:lnRef idx="0">
+            <a:schemeClr val="accent1"/>
+          </a:lnRef>
+          <a:fillRef idx="3">
+            <a:schemeClr val="accent1"/>
+          </a:fillRef>
+          <a:effectRef idx="3">
+            <a:schemeClr val="accent1"/>
+          </a:effectRef>
+          <a:fontRef idx="minor">
+            <a:schemeClr val="lt1"/>
+          </a:fontRef>
+        </p:style>
+        <p:txBody>
+          <a:bodyPr wrap="none" rtlCol="0">
+            <a:spAutoFit/>
+          </a:bodyPr>
+          <a:lstStyle/>
+          <a:p>
             <a:r>
               <a:rPr lang="fr-FR" dirty="0" smtClean="0"/>
-              <a:t>via </a:t>
-            </a:r>
-            <a:r>
-              <a:rPr lang="fr-FR" dirty="0" err="1" smtClean="0"/>
-              <a:t>skype</a:t>
-            </a:r>
-            <a:r>
-              <a:rPr lang="fr-FR" dirty="0" smtClean="0"/>
-              <a:t> </a:t>
-            </a:r>
-          </a:p>
-          <a:p>
-            <a:pPr marL="742950" lvl="1" indent="-285750">
+              <a:t>Organisation</a:t>
+            </a:r>
+            <a:endParaRPr lang="fr-FR" dirty="0"/>
+          </a:p>
+        </p:txBody>
+      </p:sp>
+      <p:sp>
+        <p:nvSpPr>
+          <p:cNvPr id="4" name="Rectangle 3"/>
+          <p:cNvSpPr/>
+          <p:nvPr/>
+        </p:nvSpPr>
+        <p:spPr>
+          <a:xfrm>
+            <a:off x="539552" y="1224042"/>
+            <a:ext cx="6264696" cy="369332"/>
+          </a:xfrm>
+          <a:prstGeom prst="rect">
+            <a:avLst/>
+          </a:prstGeom>
+        </p:spPr>
+        <p:txBody>
+          <a:bodyPr wrap="square">
+            <a:spAutoFit/>
+          </a:bodyPr>
+          <a:lstStyle/>
+          <a:p>
+            <a:pPr>
               <a:spcBef>
-                <a:spcPts val="600"/>
+                <a:spcPts val="300"/>
               </a:spcBef>
               <a:spcAft>
-                <a:spcPts val="600"/>
+                <a:spcPts val="300"/>
               </a:spcAft>
-              <a:buFont typeface="Arial" panose="020B0604020202020204" pitchFamily="34" charset="0"/>
-              <a:buChar char="•"/>
             </a:pPr>
-            <a:r>
-              <a:rPr lang="fr-FR" sz="1600" dirty="0" smtClean="0"/>
-              <a:t>Animation et compte rendu effectués par Olivier</a:t>
-            </a:r>
-          </a:p>
-          <a:p>
-            <a:pPr marL="742950" lvl="1" indent="-285750">
+            <a:endParaRPr lang="fr-FR" b="1" dirty="0" smtClean="0"/>
+          </a:p>
+        </p:txBody>
+      </p:sp>
+      <p:sp>
+        <p:nvSpPr>
+          <p:cNvPr id="6" name="Rectangle 5"/>
+          <p:cNvSpPr/>
+          <p:nvPr/>
+        </p:nvSpPr>
+        <p:spPr>
+          <a:xfrm>
+            <a:off x="395536" y="870098"/>
+            <a:ext cx="8640960" cy="4562788"/>
+          </a:xfrm>
+          <a:prstGeom prst="rect">
+            <a:avLst/>
+          </a:prstGeom>
+        </p:spPr>
+        <p:txBody>
+          <a:bodyPr wrap="square">
+            <a:spAutoFit/>
+          </a:bodyPr>
+          <a:lstStyle/>
+          <a:p>
+            <a:pPr>
               <a:spcBef>
-                <a:spcPts val="600"/>
+                <a:spcPts val="300"/>
               </a:spcBef>
               <a:spcAft>
-                <a:spcPts val="600"/>
+                <a:spcPts val="300"/>
               </a:spcAft>
-              <a:buFont typeface="Arial" panose="020B0604020202020204" pitchFamily="34" charset="0"/>
-              <a:buChar char="•"/>
             </a:pPr>
             <a:r>
-              <a:rPr lang="fr-FR" sz="1600" dirty="0" smtClean="0"/>
-              <a:t>L’ensemble des comptes rendus sont consultables sous Git</a:t>
-            </a:r>
-          </a:p>
-          <a:p>
-            <a:pPr lvl="1">
+              <a:rPr lang="fr-FR" dirty="0" smtClean="0"/>
+              <a:t>Compte tenu du nombre important de fonctionnalités voulant être mises en place dans le cadre de ce projet, notre choix de méthodologie peut se rapprocher d’une </a:t>
+            </a:r>
+            <a:r>
+              <a:rPr lang="fr-FR" b="1" i="1" dirty="0" smtClean="0"/>
+              <a:t>méthodologie SCRUM « light »</a:t>
+            </a:r>
+            <a:r>
+              <a:rPr lang="fr-FR" dirty="0" smtClean="0"/>
+              <a:t> :</a:t>
+            </a:r>
+          </a:p>
+          <a:p>
+            <a:pPr marL="285750" indent="-285750">
               <a:spcBef>
-                <a:spcPts val="600"/>
+                <a:spcPts val="1200"/>
               </a:spcBef>
               <a:spcAft>
-                <a:spcPts val="600"/>
-              </a:spcAft>
-            </a:pPr>
-            <a:endParaRPr lang="fr-FR" sz="1600" dirty="0" smtClean="0"/>
-          </a:p>
-          <a:p>
-            <a:pPr marL="285750" indent="-285750">
-              <a:spcBef>
-                <a:spcPts val="600"/>
-              </a:spcBef>
-              <a:spcAft>
-                <a:spcPts val="600"/>
+                <a:spcPts val="1200"/>
               </a:spcAft>
               <a:buFont typeface="Wingdings" panose="05000000000000000000" pitchFamily="2" charset="2"/>
               <a:buChar char="q"/>
             </a:pPr>
             <a:r>
               <a:rPr lang="fr-FR" b="1" i="1" dirty="0" smtClean="0"/>
-              <a:t>Sprint sur chaque fonctionnalité de 2 à 4 semaines </a:t>
+              <a:t>Utilisation d’une plateforme commune GitHub</a:t>
             </a:r>
             <a:r>
               <a:rPr lang="fr-FR" dirty="0" smtClean="0"/>
-              <a:t>avec production d’un livrable</a:t>
+              <a:t> pour le stockage de tout le projet : Code source, documentation, Sauvegardes de bases, fichiers de données…</a:t>
             </a:r>
           </a:p>
           <a:p>
             <a:pPr marL="285750" indent="-285750">
               <a:spcBef>
-                <a:spcPts val="600"/>
+                <a:spcPts val="1200"/>
               </a:spcBef>
               <a:spcAft>
-                <a:spcPts val="600"/>
+                <a:spcPts val="1200"/>
               </a:spcAft>
               <a:buFont typeface="Wingdings" panose="05000000000000000000" pitchFamily="2" charset="2"/>
               <a:buChar char="q"/>
             </a:pPr>
             <a:r>
-              <a:rPr lang="fr-FR" b="1" i="1" dirty="0"/>
-              <a:t>Découpage</a:t>
+              <a:rPr lang="fr-FR" b="1" i="1" dirty="0" smtClean="0"/>
+              <a:t>Réunion équipe bi-hebdomadaire </a:t>
+            </a:r>
+            <a:r>
+              <a:rPr lang="fr-FR" dirty="0" smtClean="0"/>
+              <a:t>via Skype. </a:t>
             </a:r>
             <a:r>
               <a:rPr lang="fr-FR" dirty="0"/>
-              <a:t> de </a:t>
+              <a:t>L’ensemble des comptes rendus sont consultables sous </a:t>
             </a:r>
             <a:r>
               <a:rPr lang="fr-FR" dirty="0" smtClean="0"/>
-              <a:t>chacun des 3 lots </a:t>
-            </a:r>
-            <a:r>
-              <a:rPr lang="fr-FR" dirty="0"/>
-              <a:t>en </a:t>
-            </a:r>
-            <a:r>
-              <a:rPr lang="fr-FR" dirty="0" smtClean="0"/>
-              <a:t>sous-lots</a:t>
-            </a:r>
+              <a:t>Git</a:t>
+            </a:r>
+            <a:endParaRPr lang="fr-FR" sz="1600" dirty="0" smtClean="0"/>
           </a:p>
           <a:p>
             <a:pPr marL="285750" indent="-285750">
               <a:spcBef>
-                <a:spcPts val="600"/>
+                <a:spcPts val="1200"/>
               </a:spcBef>
               <a:spcAft>
-                <a:spcPts val="600"/>
+                <a:spcPts val="1200"/>
               </a:spcAft>
               <a:buFont typeface="Wingdings" panose="05000000000000000000" pitchFamily="2" charset="2"/>
               <a:buChar char="q"/>
             </a:pPr>
             <a:r>
               <a:rPr lang="fr-FR" b="1" i="1" dirty="0" smtClean="0"/>
+              <a:t>Sprint sur chaque fonctionnalité de 2 à 4 semaines </a:t>
+            </a:r>
+            <a:r>
+              <a:rPr lang="fr-FR" dirty="0" smtClean="0"/>
+              <a:t>avec production d’un livrable (Code source et documentation associée)</a:t>
+            </a:r>
+          </a:p>
+          <a:p>
+            <a:pPr marL="285750" indent="-285750">
+              <a:spcBef>
+                <a:spcPts val="1200"/>
+              </a:spcBef>
+              <a:spcAft>
+                <a:spcPts val="1200"/>
+              </a:spcAft>
+              <a:buFont typeface="Wingdings" panose="05000000000000000000" pitchFamily="2" charset="2"/>
+              <a:buChar char="q"/>
+            </a:pPr>
+            <a:r>
+              <a:rPr lang="fr-FR" b="1" i="1" dirty="0"/>
+              <a:t>Découpage</a:t>
+            </a:r>
+            <a:r>
+              <a:rPr lang="fr-FR" dirty="0"/>
+              <a:t> de </a:t>
+            </a:r>
+            <a:r>
+              <a:rPr lang="fr-FR" dirty="0" smtClean="0"/>
+              <a:t>chacun des 3 lots </a:t>
+            </a:r>
+            <a:r>
+              <a:rPr lang="fr-FR" dirty="0"/>
+              <a:t>en </a:t>
+            </a:r>
+            <a:r>
+              <a:rPr lang="fr-FR" dirty="0" smtClean="0"/>
+              <a:t>6 sous-lots</a:t>
+            </a:r>
+          </a:p>
+          <a:p>
+            <a:pPr marL="285750" indent="-285750">
+              <a:spcBef>
+                <a:spcPts val="1200"/>
+              </a:spcBef>
+              <a:spcAft>
+                <a:spcPts val="1200"/>
+              </a:spcAft>
+              <a:buFont typeface="Wingdings" panose="05000000000000000000" pitchFamily="2" charset="2"/>
+              <a:buChar char="q"/>
+            </a:pPr>
+            <a:r>
+              <a:rPr lang="fr-FR" b="1" i="1" dirty="0" smtClean="0"/>
               <a:t>Croisement des relectures </a:t>
             </a:r>
             <a:r>
               <a:rPr lang="fr-FR" dirty="0" smtClean="0"/>
-              <a:t>et validations</a:t>
+              <a:t>et des validations de livrable</a:t>
             </a:r>
           </a:p>
         </p:txBody>
@@ -6923,7 +9049,7 @@
 </p:sld>
 </file>
 
-<file path=ppt/slides/slide4.xml><?xml version="1.0" encoding="utf-8"?>
+<file path=ppt/slides/slide5.xml><?xml version="1.0" encoding="utf-8"?>
 <p:sld xmlns:a="http://schemas.openxmlformats.org/drawingml/2006/main" xmlns:r="http://schemas.openxmlformats.org/officeDocument/2006/relationships" xmlns:p="http://schemas.openxmlformats.org/presentationml/2006/main">
   <p:cSld>
     <p:spTree>
@@ -7347,7 +9473,7 @@
         </p:nvSpPr>
         <p:spPr>
           <a:xfrm>
-            <a:off x="5652120" y="2159559"/>
+            <a:off x="5793900" y="2159559"/>
             <a:ext cx="2666532" cy="307777"/>
           </a:xfrm>
           <a:prstGeom prst="rect">
@@ -7781,6 +9907,59 @@
           </a:p>
         </p:txBody>
       </p:sp>
+      <p:sp>
+        <p:nvSpPr>
+          <p:cNvPr id="23" name="Rectangle 22"/>
+          <p:cNvSpPr/>
+          <p:nvPr/>
+        </p:nvSpPr>
+        <p:spPr>
+          <a:xfrm>
+            <a:off x="5793900" y="3429000"/>
+            <a:ext cx="2666532" cy="307777"/>
+          </a:xfrm>
+          <a:prstGeom prst="rect">
+            <a:avLst/>
+          </a:prstGeom>
+        </p:spPr>
+        <p:txBody>
+          <a:bodyPr wrap="square">
+            <a:spAutoFit/>
+          </a:bodyPr>
+          <a:lstStyle/>
+          <a:p>
+            <a:pPr>
+              <a:spcBef>
+                <a:spcPts val="300"/>
+              </a:spcBef>
+              <a:spcAft>
+                <a:spcPts val="300"/>
+              </a:spcAft>
+            </a:pPr>
+            <a:r>
+              <a:rPr lang="fr-FR" sz="1400" dirty="0" smtClean="0">
+                <a:solidFill>
+                  <a:srgbClr val="0066FF"/>
+                </a:solidFill>
+              </a:rPr>
+              <a:t>1 répertoire par </a:t>
+            </a:r>
+            <a:r>
+              <a:rPr lang="fr-FR" sz="1400" dirty="0" err="1" smtClean="0">
+                <a:solidFill>
+                  <a:srgbClr val="0066FF"/>
+                </a:solidFill>
+              </a:rPr>
+              <a:t>sous-lot</a:t>
+            </a:r>
+            <a:endParaRPr lang="fr-FR" sz="1400" dirty="0">
+              <a:solidFill>
+                <a:srgbClr val="0066FF"/>
+              </a:solidFill>
+            </a:endParaRPr>
+          </a:p>
+        </p:txBody>
+      </p:sp>
     </p:spTree>
     <p:extLst>
       <p:ext uri="{BB962C8B-B14F-4D97-AF65-F5344CB8AC3E}">
@@ -7801,7 +9980,7 @@
 </p:sld>
 </file>
 
-<file path=ppt/slides/slide5.xml><?xml version="1.0" encoding="utf-8"?>
+<file path=ppt/slides/slide6.xml><?xml version="1.0" encoding="utf-8"?>
 <p:sld xmlns:a="http://schemas.openxmlformats.org/drawingml/2006/main" xmlns:r="http://schemas.openxmlformats.org/officeDocument/2006/relationships" xmlns:p="http://schemas.openxmlformats.org/presentationml/2006/main">
   <p:cSld>
     <p:spTree>
@@ -7899,8 +10078,8 @@
         </p:nvSpPr>
         <p:spPr>
           <a:xfrm>
-            <a:off x="683568" y="2090596"/>
-            <a:ext cx="7551648" cy="1785104"/>
+            <a:off x="677920" y="2411596"/>
+            <a:ext cx="7551648" cy="1015663"/>
           </a:xfrm>
           <a:prstGeom prst="rect">
             <a:avLst/>
@@ -7931,7 +10110,7 @@
             </a:pPr>
             <a:r>
               <a:rPr lang="fr-FR" sz="1800" dirty="0" smtClean="0"/>
-              <a:t>Ventes de 2014 : </a:t>
+              <a:t>De 2010 à 2015 :  </a:t>
             </a:r>
           </a:p>
           <a:p>
@@ -7968,48 +10147,6 @@
               <a:t>Sur internet : Panier moyen de 5 articles</a:t>
             </a:r>
           </a:p>
-          <a:p>
-            <a:pPr marL="742950" lvl="1" indent="-285750">
-              <a:buFont typeface="Wingdings" panose="05000000000000000000" pitchFamily="2" charset="2"/>
-              <a:buChar char="§"/>
-            </a:pPr>
-            <a:endParaRPr lang="fr-FR" sz="1400" dirty="0"/>
-          </a:p>
-          <a:p>
-            <a:pPr marL="285750" indent="-285750">
-              <a:buFont typeface="Wingdings" panose="05000000000000000000" pitchFamily="2" charset="2"/>
-              <a:buChar char="Ø"/>
-            </a:pPr>
-            <a:r>
-              <a:rPr lang="fr-FR" sz="1800" dirty="0" smtClean="0"/>
-              <a:t>Marge </a:t>
-            </a:r>
-            <a:r>
-              <a:rPr lang="fr-FR" sz="1800" dirty="0"/>
-              <a:t>commerciale </a:t>
-            </a:r>
-            <a:r>
-              <a:rPr lang="fr-FR" sz="1800" dirty="0" smtClean="0"/>
-              <a:t>assez </a:t>
-            </a:r>
-            <a:r>
-              <a:rPr lang="fr-FR" sz="1800" dirty="0"/>
-              <a:t>élevée en magasin (34,8%) </a:t>
-            </a:r>
-            <a:r>
-              <a:rPr lang="fr-FR" sz="1800" dirty="0" smtClean="0"/>
-              <a:t>encore </a:t>
-            </a:r>
-            <a:r>
-              <a:rPr lang="fr-FR" sz="1800" dirty="0"/>
-              <a:t>plus sur Internet (44,3</a:t>
-            </a:r>
-            <a:r>
-              <a:rPr lang="fr-FR" sz="1800" dirty="0" smtClean="0"/>
-              <a:t>%) </a:t>
-            </a:r>
-            <a:endParaRPr lang="fr-FR" sz="1800" dirty="0"/>
-          </a:p>
         </p:txBody>
       </p:sp>
       <p:sp>
@@ -8020,7 +10157,7 @@
         </p:nvSpPr>
         <p:spPr>
           <a:xfrm>
-            <a:off x="687244" y="4034812"/>
+            <a:off x="677920" y="3491716"/>
             <a:ext cx="7551648" cy="923330"/>
           </a:xfrm>
           <a:prstGeom prst="rect">
@@ -8103,7 +10240,7 @@
         </p:nvSpPr>
         <p:spPr>
           <a:xfrm>
-            <a:off x="663081" y="5134832"/>
+            <a:off x="681596" y="4499828"/>
             <a:ext cx="7544296" cy="646331"/>
           </a:xfrm>
           <a:prstGeom prst="rect">
@@ -8139,7 +10276,15 @@
             </a:r>
             <a:r>
               <a:rPr lang="fr-FR" sz="1800" b="1" dirty="0"/>
-              <a:t>000 références magasins </a:t>
+              <a:t>000 </a:t>
+            </a:r>
+            <a:r>
+              <a:rPr lang="fr-FR" sz="1800" b="1" dirty="0" smtClean="0"/>
+              <a:t>articles référencés en </a:t>
+            </a:r>
+            <a:r>
+              <a:rPr lang="fr-FR" sz="1800" b="1" dirty="0"/>
+              <a:t>magasins </a:t>
             </a:r>
             <a:endParaRPr lang="fr-FR" sz="1800" b="1" dirty="0" smtClean="0"/>
           </a:p>
@@ -8150,15 +10295,7 @@
             </a:pPr>
             <a:r>
               <a:rPr lang="fr-FR" sz="1800" b="1" dirty="0" smtClean="0"/>
-              <a:t>3 </a:t>
-            </a:r>
-            <a:r>
-              <a:rPr lang="fr-FR" sz="1800" b="1" dirty="0"/>
-              <a:t>856 </a:t>
-            </a:r>
-            <a:r>
-              <a:rPr lang="fr-FR" sz="1800" b="1" dirty="0" smtClean="0"/>
-              <a:t>fournisseurs</a:t>
+              <a:t>3 900 fournisseurs</a:t>
             </a:r>
             <a:endParaRPr lang="fr-FR" sz="1800" b="1" dirty="0"/>
           </a:p>
@@ -8172,7 +10309,7 @@
         </p:nvSpPr>
         <p:spPr>
           <a:xfrm>
-            <a:off x="692760" y="1484784"/>
+            <a:off x="677920" y="1907540"/>
             <a:ext cx="7551648" cy="430887"/>
           </a:xfrm>
           <a:prstGeom prst="rect">
@@ -8285,7 +10422,7 @@
         </p:nvSpPr>
         <p:spPr>
           <a:xfrm>
-            <a:off x="663081" y="5933563"/>
+            <a:off x="681596" y="5219908"/>
             <a:ext cx="7544296" cy="369332"/>
           </a:xfrm>
           <a:prstGeom prst="rect">
@@ -8318,6 +10455,10 @@
             <a:r>
               <a:rPr lang="fr-FR" sz="1800" b="1" dirty="0" smtClean="0"/>
               <a:t>Base de 100 000 clients</a:t>
+            </a:r>
+            <a:r>
+              <a:rPr lang="fr-FR" sz="1800" dirty="0" smtClean="0"/>
+              <a:t>, répartis sur toutes les villes de France</a:t>
             </a:r>
             <a:endParaRPr lang="fr-FR" sz="1800" dirty="0"/>
           </a:p>
@@ -8343,7 +10484,7 @@
 </p:sld>
 </file>
 
-<file path=ppt/slides/slide6.xml><?xml version="1.0" encoding="utf-8"?>
+<file path=ppt/slides/slide7.xml><?xml version="1.0" encoding="utf-8"?>
 <p:sld xmlns:a="http://schemas.openxmlformats.org/drawingml/2006/main" xmlns:r="http://schemas.openxmlformats.org/officeDocument/2006/relationships" xmlns:p="http://schemas.openxmlformats.org/presentationml/2006/main" show="0">
   <p:cSld>
     <p:spTree>
@@ -8690,7 +10831,7 @@
         <p:spPr>
           <a:xfrm>
             <a:off x="1082874" y="4983559"/>
-            <a:ext cx="7748180" cy="1477328"/>
+            <a:ext cx="7748180" cy="1200329"/>
           </a:xfrm>
           <a:prstGeom prst="rect">
             <a:avLst/>
@@ -8704,47 +10845,29 @@
           <a:p>
             <a:r>
               <a:rPr lang="fr-FR" b="1" dirty="0" smtClean="0"/>
-              <a:t>Reports de sortie, sur un sujet « métier  » Calcul du CA, de la marge, évolution des ventes… </a:t>
+              <a:t>Reporting prédéfinis sur un sujet « métier » </a:t>
             </a:r>
             <a:r>
               <a:rPr lang="fr-FR" dirty="0" smtClean="0"/>
-              <a:t>Plusieurs sorties :</a:t>
-            </a:r>
-          </a:p>
-          <a:p>
-            <a:pPr marL="285750" indent="-285750">
-              <a:buFont typeface="Arial" pitchFamily="34" charset="0"/>
-              <a:buChar char="•"/>
-            </a:pPr>
+              <a:t>Calcul du CA, de la marge, évolution des ventes</a:t>
+            </a:r>
+            <a:r>
+              <a:rPr lang="fr-FR" b="1" dirty="0" smtClean="0"/>
+              <a:t> </a:t>
+            </a:r>
             <a:r>
               <a:rPr lang="fr-FR" dirty="0" smtClean="0"/>
-              <a:t>Reports prédéfinis avec Microsoft SSRS</a:t>
-            </a:r>
-          </a:p>
-          <a:p>
-            <a:pPr marL="285750" indent="-285750">
-              <a:buFont typeface="Arial" pitchFamily="34" charset="0"/>
-              <a:buChar char="•"/>
-            </a:pPr>
+              <a:t>avec Microsoft SSRS</a:t>
+            </a:r>
+          </a:p>
+          <a:p>
+            <a:r>
+              <a:rPr lang="fr-FR" b="1" dirty="0" smtClean="0"/>
+              <a:t>« Business Discovery »</a:t>
+            </a:r>
             <a:r>
               <a:rPr lang="fr-FR" dirty="0" smtClean="0"/>
-              <a:t>« Business </a:t>
-            </a:r>
-            <a:r>
-              <a:rPr lang="fr-FR" dirty="0" err="1" smtClean="0"/>
-              <a:t>Discovery</a:t>
-            </a:r>
-            <a:r>
-              <a:rPr lang="fr-FR" dirty="0" smtClean="0"/>
-              <a:t> » (Les utilisateurs construisent eux-mêmes leurs reports) avec Microsoft </a:t>
-            </a:r>
-            <a:r>
-              <a:rPr lang="fr-FR" dirty="0" err="1" smtClean="0"/>
-              <a:t>PowerBI</a:t>
-            </a:r>
-            <a:r>
-              <a:rPr lang="fr-FR" dirty="0" smtClean="0"/>
-              <a:t>, via Excel</a:t>
+              <a:t> : Les utilisateurs construisent eux-mêmes leurs reports avec Microsoft PowerBI, via Excel</a:t>
             </a:r>
             <a:endParaRPr lang="fr-FR" dirty="0"/>
           </a:p>
@@ -8793,7 +10916,15 @@
             </a:r>
             <a:r>
               <a:rPr lang="fr-FR" b="1" dirty="0"/>
-              <a:t>Access, fichier plats CSV et fichiers </a:t>
+              <a:t>Access, </a:t>
+            </a:r>
+            <a:r>
+              <a:rPr lang="fr-FR" b="1" dirty="0" smtClean="0"/>
+              <a:t>fichiers </a:t>
+            </a:r>
+            <a:r>
+              <a:rPr lang="fr-FR" b="1" dirty="0"/>
+              <a:t>plats CSV et fichiers </a:t>
             </a:r>
             <a:r>
               <a:rPr lang="fr-FR" b="1" dirty="0" smtClean="0"/>
@@ -8996,7 +11127,7 @@
 </p:sld>
 </file>
 
-<file path=ppt/slides/slide7.xml><?xml version="1.0" encoding="utf-8"?>
+<file path=ppt/slides/slide8.xml><?xml version="1.0" encoding="utf-8"?>
 <p:sld xmlns:a="http://schemas.openxmlformats.org/drawingml/2006/main" xmlns:r="http://schemas.openxmlformats.org/officeDocument/2006/relationships" xmlns:p="http://schemas.openxmlformats.org/presentationml/2006/main">
   <p:cSld>
     <p:spTree>
@@ -9064,7 +11195,7 @@
         </p:nvSpPr>
         <p:spPr>
           <a:xfrm>
-            <a:off x="395536" y="2060848"/>
+            <a:off x="323529" y="1617767"/>
             <a:ext cx="1080120" cy="720080"/>
           </a:xfrm>
           <a:prstGeom prst="roundRect">
@@ -9135,7 +11266,7 @@
         </p:nvSpPr>
         <p:spPr>
           <a:xfrm>
-            <a:off x="395536" y="3429000"/>
+            <a:off x="323529" y="2985919"/>
             <a:ext cx="1080120" cy="720080"/>
           </a:xfrm>
           <a:prstGeom prst="roundRect">
@@ -9193,7 +11324,7 @@
         </p:nvSpPr>
         <p:spPr>
           <a:xfrm>
-            <a:off x="389866" y="4869160"/>
+            <a:off x="317859" y="4426079"/>
             <a:ext cx="1080120" cy="720080"/>
           </a:xfrm>
           <a:prstGeom prst="roundRect">
@@ -9251,7 +11382,7 @@
         </p:nvSpPr>
         <p:spPr>
           <a:xfrm>
-            <a:off x="1973199" y="3363342"/>
+            <a:off x="1901192" y="2920261"/>
             <a:ext cx="1080120" cy="864096"/>
           </a:xfrm>
           <a:prstGeom prst="roundRect">
@@ -9298,7 +11429,7 @@
         </p:nvSpPr>
         <p:spPr>
           <a:xfrm>
-            <a:off x="3563887" y="3356992"/>
+            <a:off x="3491880" y="2913911"/>
             <a:ext cx="1440160" cy="864096"/>
           </a:xfrm>
           <a:prstGeom prst="roundRect">
@@ -9356,7 +11487,7 @@
         </p:nvSpPr>
         <p:spPr>
           <a:xfrm>
-            <a:off x="5220071" y="3356992"/>
+            <a:off x="5148064" y="2913911"/>
             <a:ext cx="1224136" cy="864096"/>
           </a:xfrm>
           <a:prstGeom prst="roundRect">
@@ -9414,7 +11545,7 @@
         </p:nvSpPr>
         <p:spPr>
           <a:xfrm>
-            <a:off x="7308304" y="3356992"/>
+            <a:off x="7236297" y="2913911"/>
             <a:ext cx="1584176" cy="864096"/>
           </a:xfrm>
           <a:prstGeom prst="roundRect">
@@ -9472,7 +11603,7 @@
         </p:nvSpPr>
         <p:spPr>
           <a:xfrm>
-            <a:off x="4175955" y="4725144"/>
+            <a:off x="4103948" y="4282063"/>
             <a:ext cx="1872208" cy="864096"/>
           </a:xfrm>
           <a:prstGeom prst="roundRect">
@@ -9522,7 +11653,7 @@
         </p:nvCxnSpPr>
         <p:spPr>
           <a:xfrm flipV="1">
-            <a:off x="3053319" y="3789040"/>
+            <a:off x="2981312" y="3345959"/>
             <a:ext cx="510568" cy="6350"/>
           </a:xfrm>
           <a:prstGeom prst="straightConnector1">
@@ -9558,7 +11689,7 @@
         </p:nvCxnSpPr>
         <p:spPr>
           <a:xfrm>
-            <a:off x="5004047" y="3789040"/>
+            <a:off x="4932040" y="3345959"/>
             <a:ext cx="216024" cy="0"/>
           </a:xfrm>
           <a:prstGeom prst="straightConnector1">
@@ -9594,7 +11725,7 @@
         </p:nvCxnSpPr>
         <p:spPr>
           <a:xfrm>
-            <a:off x="1475656" y="2420888"/>
+            <a:off x="1403649" y="1977807"/>
             <a:ext cx="497543" cy="1374502"/>
           </a:xfrm>
           <a:prstGeom prst="bentConnector3">
@@ -9632,7 +11763,7 @@
         </p:nvCxnSpPr>
         <p:spPr>
           <a:xfrm>
-            <a:off x="1475656" y="3789040"/>
+            <a:off x="1403649" y="3345959"/>
             <a:ext cx="497543" cy="6350"/>
           </a:xfrm>
           <a:prstGeom prst="bentConnector3">
@@ -9668,7 +11799,7 @@
         </p:nvCxnSpPr>
         <p:spPr>
           <a:xfrm flipV="1">
-            <a:off x="1469986" y="3795390"/>
+            <a:off x="1397979" y="3352309"/>
             <a:ext cx="503213" cy="1433810"/>
           </a:xfrm>
           <a:prstGeom prst="bentConnector3">
@@ -9703,7 +11834,7 @@
         </p:nvSpPr>
         <p:spPr>
           <a:xfrm>
-            <a:off x="179512" y="1412776"/>
+            <a:off x="107505" y="969695"/>
             <a:ext cx="3024336" cy="4464496"/>
           </a:xfrm>
           <a:prstGeom prst="rect">
@@ -9750,7 +11881,7 @@
         </p:nvSpPr>
         <p:spPr>
           <a:xfrm>
-            <a:off x="3347863" y="1412776"/>
+            <a:off x="3275856" y="969695"/>
             <a:ext cx="3312369" cy="4464496"/>
           </a:xfrm>
           <a:prstGeom prst="rect">
@@ -9797,7 +11928,7 @@
         </p:nvSpPr>
         <p:spPr>
           <a:xfrm>
-            <a:off x="6804248" y="1412776"/>
+            <a:off x="6732241" y="969695"/>
             <a:ext cx="2292057" cy="4464496"/>
           </a:xfrm>
           <a:prstGeom prst="rect">
@@ -9844,7 +11975,7 @@
         </p:nvSpPr>
         <p:spPr>
           <a:xfrm>
-            <a:off x="1547664" y="1531043"/>
+            <a:off x="1475657" y="1087962"/>
             <a:ext cx="732279" cy="369332"/>
           </a:xfrm>
           <a:prstGeom prst="rect">
@@ -9888,7 +12019,7 @@
         </p:nvSpPr>
         <p:spPr>
           <a:xfrm>
-            <a:off x="7308304" y="1516142"/>
+            <a:off x="7236297" y="1073061"/>
             <a:ext cx="1440159" cy="369332"/>
           </a:xfrm>
           <a:prstGeom prst="rect">
@@ -9932,7 +12063,7 @@
         </p:nvSpPr>
         <p:spPr>
           <a:xfrm>
-            <a:off x="4283967" y="1516142"/>
+            <a:off x="4211960" y="1073061"/>
             <a:ext cx="1654681" cy="369332"/>
           </a:xfrm>
           <a:prstGeom prst="rect">
@@ -9979,7 +12110,7 @@
         </p:nvCxnSpPr>
         <p:spPr>
           <a:xfrm>
-            <a:off x="6444207" y="3789040"/>
+            <a:off x="6372200" y="3345959"/>
             <a:ext cx="864097" cy="0"/>
           </a:xfrm>
           <a:prstGeom prst="straightConnector1">
@@ -10015,7 +12146,7 @@
         </p:nvCxnSpPr>
         <p:spPr>
           <a:xfrm rot="5400000" flipH="1" flipV="1">
-            <a:off x="5220071" y="4113076"/>
+            <a:off x="5148064" y="3669995"/>
             <a:ext cx="504056" cy="720080"/>
           </a:xfrm>
           <a:prstGeom prst="bentConnector3">
@@ -10045,7 +12176,7 @@
         </p:nvSpPr>
         <p:spPr>
           <a:xfrm>
-            <a:off x="7308304" y="4794840"/>
+            <a:off x="7236297" y="4351759"/>
             <a:ext cx="1584176" cy="864096"/>
           </a:xfrm>
           <a:prstGeom prst="roundRect">
@@ -10108,7 +12239,7 @@
         </p:nvSpPr>
         <p:spPr>
           <a:xfrm>
-            <a:off x="7308304" y="2060848"/>
+            <a:off x="7236297" y="1617767"/>
             <a:ext cx="1577099" cy="1044116"/>
           </a:xfrm>
           <a:prstGeom prst="roundRect">
@@ -10174,7 +12305,7 @@
         </p:nvCxnSpPr>
         <p:spPr>
           <a:xfrm rot="5400000" flipH="1" flipV="1">
-            <a:off x="5409092" y="1457781"/>
+            <a:off x="5337085" y="1014700"/>
             <a:ext cx="774086" cy="3024337"/>
           </a:xfrm>
           <a:prstGeom prst="bentConnector2">
@@ -10210,7 +12341,7 @@
         </p:nvCxnSpPr>
         <p:spPr>
           <a:xfrm>
-            <a:off x="6444207" y="3789040"/>
+            <a:off x="6372200" y="3345959"/>
             <a:ext cx="864097" cy="1437848"/>
           </a:xfrm>
           <a:prstGeom prst="bentConnector3">
@@ -10237,6 +12368,104 @@
           </a:fontRef>
         </p:style>
       </p:cxnSp>
+      <p:sp>
+        <p:nvSpPr>
+          <p:cNvPr id="29" name="ZoneTexte 28"/>
+          <p:cNvSpPr txBox="1"/>
+          <p:nvPr/>
+        </p:nvSpPr>
+        <p:spPr>
+          <a:xfrm>
+            <a:off x="107504" y="5662989"/>
+            <a:ext cx="8916793" cy="646331"/>
+          </a:xfrm>
+          <a:prstGeom prst="rect">
+            <a:avLst/>
+          </a:prstGeom>
+          <a:solidFill>
+            <a:schemeClr val="tx2">
+              <a:lumMod val="20000"/>
+              <a:lumOff val="80000"/>
+            </a:schemeClr>
+          </a:solidFill>
+        </p:spPr>
+        <p:txBody>
+          <a:bodyPr wrap="square" rtlCol="0">
+            <a:spAutoFit/>
+          </a:bodyPr>
+          <a:lstStyle>
+            <a:defPPr>
+              <a:defRPr lang="fr-FR"/>
+            </a:defPPr>
+            <a:lvl1pPr>
+              <a:defRPr sz="1400"/>
+            </a:lvl1pPr>
+          </a:lstStyle>
+          <a:p>
+            <a:pPr marL="285750" indent="-285750">
+              <a:spcBef>
+                <a:spcPts val="600"/>
+              </a:spcBef>
+              <a:spcAft>
+                <a:spcPts val="600"/>
+              </a:spcAft>
+              <a:buFont typeface="Wingdings" panose="05000000000000000000" pitchFamily="2" charset="2"/>
+              <a:buChar char="Ø"/>
+            </a:pPr>
+            <a:r>
+              <a:rPr lang="fr-FR" sz="1800" dirty="0" smtClean="0"/>
+              <a:t>Grace au tutorial d’installation, on peut installer, configurer et exploiter cette chaine </a:t>
+            </a:r>
+            <a:r>
+              <a:rPr lang="fr-FR" sz="1800" u="sng" dirty="0" smtClean="0"/>
+              <a:t>sans aucune connaissance préalable sur SQL SERVER</a:t>
+            </a:r>
+            <a:r>
+              <a:rPr lang="fr-FR" sz="1800" dirty="0" smtClean="0"/>
+              <a:t>.</a:t>
+            </a:r>
+            <a:endParaRPr lang="fr-FR" sz="1800" dirty="0"/>
+          </a:p>
+        </p:txBody>
+      </p:sp>
+      <p:sp>
+        <p:nvSpPr>
+          <p:cNvPr id="4" name="Rectangle 3"/>
+          <p:cNvSpPr/>
+          <p:nvPr/>
+        </p:nvSpPr>
+        <p:spPr>
+          <a:xfrm>
+            <a:off x="1899041" y="123019"/>
+            <a:ext cx="6633399" cy="646331"/>
+          </a:xfrm>
+          <a:prstGeom prst="rect">
+            <a:avLst/>
+          </a:prstGeom>
+        </p:spPr>
+        <p:txBody>
+          <a:bodyPr wrap="square">
+            <a:spAutoFit/>
+          </a:bodyPr>
+          <a:lstStyle/>
+          <a:p>
+            <a:pPr marL="285750" indent="-285750">
+              <a:spcBef>
+                <a:spcPts val="600"/>
+              </a:spcBef>
+              <a:spcAft>
+                <a:spcPts val="600"/>
+              </a:spcAft>
+              <a:buFont typeface="Wingdings" panose="05000000000000000000" pitchFamily="2" charset="2"/>
+              <a:buChar char="Ø"/>
+            </a:pPr>
+            <a:r>
+              <a:rPr lang="fr-FR" dirty="0"/>
+              <a:t>Tous les éléments de la chaine, ainsi que les fichiers de données sont livrés avec le projet.</a:t>
+            </a:r>
+          </a:p>
+        </p:txBody>
+      </p:sp>
     </p:spTree>
     <p:extLst>
       <p:ext uri="{BB962C8B-B14F-4D97-AF65-F5344CB8AC3E}">
@@ -10257,7 +12486,7 @@
 </p:sld>
 </file>
 
-<file path=ppt/slides/slide8.xml><?xml version="1.0" encoding="utf-8"?>
+<file path=ppt/slides/slide9.xml><?xml version="1.0" encoding="utf-8"?>
 <p:sld xmlns:a="http://schemas.openxmlformats.org/drawingml/2006/main" xmlns:r="http://schemas.openxmlformats.org/officeDocument/2006/relationships" xmlns:p="http://schemas.openxmlformats.org/presentationml/2006/main">
   <p:cSld>
     <p:spTree>
@@ -10369,306 +12598,6 @@
   <p:clrMapOvr>
     <a:masterClrMapping/>
   </p:clrMapOvr>
-  <p:timing>
-    <p:tnLst>
-      <p:par>
-        <p:cTn id="1" dur="indefinite" restart="never" nodeType="tmRoot"/>
-      </p:par>
-    </p:tnLst>
-  </p:timing>
-</p:sld>
-</file>
-
-<file path=ppt/slides/slide9.xml><?xml version="1.0" encoding="utf-8"?>
-<p:sld xmlns:a="http://schemas.openxmlformats.org/drawingml/2006/main" xmlns:r="http://schemas.openxmlformats.org/officeDocument/2006/relationships" xmlns:p="http://schemas.openxmlformats.org/presentationml/2006/main" show="0">
-  <p:cSld>
-    <p:spTree>
-      <p:nvGrpSpPr>
-        <p:cNvPr id="1" name=""/>
-        <p:cNvGrpSpPr/>
-        <p:nvPr/>
-      </p:nvGrpSpPr>
-      <p:grpSpPr>
-        <a:xfrm>
-          <a:off x="0" y="0"/>
-          <a:ext cx="0" cy="0"/>
-          <a:chOff x="0" y="0"/>
-          <a:chExt cx="0" cy="0"/>
-        </a:xfrm>
-      </p:grpSpPr>
-      <p:sp>
-        <p:nvSpPr>
-          <p:cNvPr id="3" name="ZoneTexte 2"/>
-          <p:cNvSpPr txBox="1"/>
-          <p:nvPr/>
-        </p:nvSpPr>
-        <p:spPr>
-          <a:xfrm>
-            <a:off x="107504" y="107340"/>
-            <a:ext cx="1645194" cy="369332"/>
-          </a:xfrm>
-          <a:prstGeom prst="rect">
-            <a:avLst/>
-          </a:prstGeom>
-        </p:spPr>
-        <p:style>
-          <a:lnRef idx="0">
-            <a:schemeClr val="accent1"/>
-          </a:lnRef>
-          <a:fillRef idx="3">
-            <a:schemeClr val="accent1"/>
-          </a:fillRef>
-          <a:effectRef idx="3">
-            <a:schemeClr val="accent1"/>
-          </a:effectRef>
-          <a:fontRef idx="minor">
-            <a:schemeClr val="lt1"/>
-          </a:fontRef>
-        </p:style>
-        <p:txBody>
-          <a:bodyPr wrap="none" rtlCol="0">
-            <a:spAutoFit/>
-          </a:bodyPr>
-          <a:lstStyle/>
-          <a:p>
-            <a:r>
-              <a:rPr lang="fr-FR" dirty="0" smtClean="0"/>
-              <a:t>Démonstration </a:t>
-            </a:r>
-          </a:p>
-        </p:txBody>
-      </p:sp>
-      <p:sp>
-        <p:nvSpPr>
-          <p:cNvPr id="5" name="Rectangle 4"/>
-          <p:cNvSpPr/>
-          <p:nvPr/>
-        </p:nvSpPr>
-        <p:spPr>
-          <a:xfrm>
-            <a:off x="2267744" y="1026280"/>
-            <a:ext cx="6876256" cy="2846933"/>
-          </a:xfrm>
-          <a:prstGeom prst="rect">
-            <a:avLst/>
-          </a:prstGeom>
-        </p:spPr>
-        <p:txBody>
-          <a:bodyPr wrap="square">
-            <a:spAutoFit/>
-          </a:bodyPr>
-          <a:lstStyle/>
-          <a:p>
-            <a:pPr>
-              <a:spcBef>
-                <a:spcPts val="300"/>
-              </a:spcBef>
-              <a:spcAft>
-                <a:spcPts val="300"/>
-              </a:spcAft>
-            </a:pPr>
-            <a:r>
-              <a:rPr lang="fr-FR" u="sng" dirty="0" smtClean="0"/>
-              <a:t>Présentateurs </a:t>
-            </a:r>
-            <a:r>
-              <a:rPr lang="fr-FR" dirty="0" smtClean="0"/>
-              <a:t>: </a:t>
-            </a:r>
-            <a:r>
-              <a:rPr lang="fr-FR" b="1" dirty="0" smtClean="0"/>
-              <a:t>Thomas [Backup : Olivier]  </a:t>
-            </a:r>
-          </a:p>
-          <a:p>
-            <a:pPr>
-              <a:spcBef>
-                <a:spcPts val="300"/>
-              </a:spcBef>
-              <a:spcAft>
-                <a:spcPts val="300"/>
-              </a:spcAft>
-            </a:pPr>
-            <a:endParaRPr lang="fr-FR" b="1" dirty="0"/>
-          </a:p>
-          <a:p>
-            <a:pPr>
-              <a:spcBef>
-                <a:spcPts val="300"/>
-              </a:spcBef>
-              <a:spcAft>
-                <a:spcPts val="300"/>
-              </a:spcAft>
-            </a:pPr>
-            <a:r>
-              <a:rPr lang="fr-FR" u="sng" dirty="0" smtClean="0"/>
-              <a:t>Sujets</a:t>
-            </a:r>
-            <a:r>
-              <a:rPr lang="fr-FR" dirty="0" smtClean="0"/>
-              <a:t> : </a:t>
-            </a:r>
-          </a:p>
-          <a:p>
-            <a:pPr marL="285750" indent="-285750">
-              <a:spcBef>
-                <a:spcPts val="300"/>
-              </a:spcBef>
-              <a:spcAft>
-                <a:spcPts val="300"/>
-              </a:spcAft>
-              <a:buFont typeface="Arial" panose="020B0604020202020204" pitchFamily="34" charset="0"/>
-              <a:buChar char="•"/>
-            </a:pPr>
-            <a:r>
-              <a:rPr lang="fr-FR" dirty="0" smtClean="0"/>
-              <a:t>DWH : Modélisation, DIM_TEMPS, script de remplissage  </a:t>
-            </a:r>
-            <a:endParaRPr lang="fr-FR" dirty="0"/>
-          </a:p>
-          <a:p>
-            <a:pPr marL="285750" indent="-285750">
-              <a:spcBef>
-                <a:spcPts val="300"/>
-              </a:spcBef>
-              <a:spcAft>
-                <a:spcPts val="300"/>
-              </a:spcAft>
-              <a:buFont typeface="Arial" panose="020B0604020202020204" pitchFamily="34" charset="0"/>
-              <a:buChar char="•"/>
-            </a:pPr>
-            <a:r>
-              <a:rPr lang="fr-FR" dirty="0" smtClean="0"/>
-              <a:t>Cube : Hiérarchie de dimensions </a:t>
-            </a:r>
-            <a:endParaRPr lang="fr-FR" dirty="0"/>
-          </a:p>
-          <a:p>
-            <a:pPr marL="285750" indent="-285750">
-              <a:spcBef>
-                <a:spcPts val="300"/>
-              </a:spcBef>
-              <a:spcAft>
-                <a:spcPts val="300"/>
-              </a:spcAft>
-              <a:buFont typeface="Arial" panose="020B0604020202020204" pitchFamily="34" charset="0"/>
-              <a:buChar char="•"/>
-            </a:pPr>
-            <a:r>
-              <a:rPr lang="fr-FR" dirty="0" smtClean="0"/>
-              <a:t>Optimiseur : 2 </a:t>
-            </a:r>
-            <a:r>
-              <a:rPr lang="fr-FR" dirty="0" err="1" smtClean="0"/>
-              <a:t>algos</a:t>
-            </a:r>
-            <a:r>
-              <a:rPr lang="fr-FR" dirty="0" smtClean="0"/>
-              <a:t>, IHM, benchmark des perfs</a:t>
-            </a:r>
-          </a:p>
-          <a:p>
-            <a:pPr>
-              <a:spcBef>
-                <a:spcPts val="300"/>
-              </a:spcBef>
-              <a:spcAft>
-                <a:spcPts val="300"/>
-              </a:spcAft>
-            </a:pPr>
-            <a:endParaRPr lang="fr-FR" dirty="0"/>
-          </a:p>
-          <a:p>
-            <a:pPr>
-              <a:spcBef>
-                <a:spcPts val="300"/>
-              </a:spcBef>
-              <a:spcAft>
-                <a:spcPts val="300"/>
-              </a:spcAft>
-            </a:pPr>
-            <a:r>
-              <a:rPr lang="fr-FR" u="sng" dirty="0" smtClean="0"/>
-              <a:t>Temps</a:t>
-            </a:r>
-            <a:r>
-              <a:rPr lang="fr-FR" dirty="0" smtClean="0"/>
-              <a:t> : 10’</a:t>
-            </a:r>
-            <a:endParaRPr lang="fr-FR" dirty="0"/>
-          </a:p>
-        </p:txBody>
-      </p:sp>
-      <p:sp>
-        <p:nvSpPr>
-          <p:cNvPr id="7" name="ZoneTexte 6"/>
-          <p:cNvSpPr txBox="1"/>
-          <p:nvPr/>
-        </p:nvSpPr>
-        <p:spPr>
-          <a:xfrm>
-            <a:off x="385769" y="1026280"/>
-            <a:ext cx="1738743" cy="369332"/>
-          </a:xfrm>
-          <a:prstGeom prst="rect">
-            <a:avLst/>
-          </a:prstGeom>
-        </p:spPr>
-        <p:style>
-          <a:lnRef idx="0">
-            <a:schemeClr val="accent5"/>
-          </a:lnRef>
-          <a:fillRef idx="3">
-            <a:schemeClr val="accent5"/>
-          </a:fillRef>
-          <a:effectRef idx="3">
-            <a:schemeClr val="accent5"/>
-          </a:effectRef>
-          <a:fontRef idx="minor">
-            <a:schemeClr val="lt1"/>
-          </a:fontRef>
-        </p:style>
-        <p:txBody>
-          <a:bodyPr wrap="square" rtlCol="0">
-            <a:spAutoFit/>
-          </a:bodyPr>
-          <a:lstStyle/>
-          <a:p>
-            <a:pPr algn="ctr"/>
-            <a:r>
-              <a:rPr lang="fr-FR" dirty="0" smtClean="0">
-                <a:solidFill>
-                  <a:schemeClr val="tx1"/>
-                </a:solidFill>
-              </a:rPr>
-              <a:t>Partie 1</a:t>
-            </a:r>
-            <a:endParaRPr lang="fr-FR" dirty="0">
-              <a:solidFill>
-                <a:schemeClr val="tx1"/>
-              </a:solidFill>
-            </a:endParaRPr>
-          </a:p>
-        </p:txBody>
-      </p:sp>
-    </p:spTree>
-    <p:extLst>
-      <p:ext uri="{BB962C8B-B14F-4D97-AF65-F5344CB8AC3E}">
-        <p14:creationId xmlns:p14="http://schemas.microsoft.com/office/powerpoint/2010/main" val="2857133410"/>
-      </p:ext>
-    </p:extLst>
-  </p:cSld>
-  <p:clrMapOvr>
-    <a:masterClrMapping/>
-  </p:clrMapOvr>
-  <mc:AlternateContent xmlns:mc="http://schemas.openxmlformats.org/markup-compatibility/2006" xmlns:p14="http://schemas.microsoft.com/office/powerpoint/2010/main">
-    <mc:Choice Requires="p14">
-      <p:transition spd="slow" p14:dur="2000"/>
-    </mc:Choice>
-    <mc:Fallback xmlns="">
-      <p:transition spd="slow"/>
-    </mc:Fallback>
-  </mc:AlternateContent>
   <p:timing>
     <p:tnLst>
       <p:par>
